--- a/Számítógép védelme.pptx
+++ b/Számítógép védelme.pptx
@@ -9,13 +9,12 @@
     <p:sldId id="257" r:id="rId3"/>
     <p:sldId id="258" r:id="rId4"/>
     <p:sldId id="259" r:id="rId5"/>
-    <p:sldId id="260" r:id="rId6"/>
-    <p:sldId id="261" r:id="rId7"/>
+    <p:sldId id="261" r:id="rId6"/>
+    <p:sldId id="260" r:id="rId7"/>
     <p:sldId id="262" r:id="rId8"/>
     <p:sldId id="263" r:id="rId9"/>
     <p:sldId id="264" r:id="rId10"/>
-    <p:sldId id="265" r:id="rId11"/>
-    <p:sldId id="266" r:id="rId12"/>
+    <p:sldId id="266" r:id="rId11"/>
   </p:sldIdLst>
   <p:sldSz cx="12192000" cy="6858000"/>
   <p:notesSz cx="6858000" cy="9144000"/>
@@ -114,6 +113,11 @@
       </a:defRPr>
     </a:lvl9pPr>
   </p:defaultTextStyle>
+  <p:extLst>
+    <p:ext uri="{EFAFB233-063F-42B5-8137-9DF3F51BA10A}">
+      <p15:sldGuideLst xmlns:p15="http://schemas.microsoft.com/office/powerpoint/2012/main"/>
+    </p:ext>
+  </p:extLst>
 </p:presentation>
 </file>
 
@@ -161,7 +165,7 @@
           </a:lstStyle>
           <a:p>
             <a:r>
-              <a:rPr lang="hu-HU" smtClean="0"/>
+              <a:rPr lang="hu-HU"/>
               <a:t>Mintacím szerkesztése</a:t>
             </a:r>
             <a:endParaRPr lang="en-US" dirty="0"/>
@@ -226,7 +230,7 @@
           </a:lstStyle>
           <a:p>
             <a:r>
-              <a:rPr lang="hu-HU" smtClean="0"/>
+              <a:rPr lang="hu-HU"/>
               <a:t>Kattintson ide az alcím mintájának szerkesztéséhez</a:t>
             </a:r>
             <a:endParaRPr lang="en-US" dirty="0"/>
@@ -250,7 +254,7 @@
           <a:p>
             <a:fld id="{516224EF-E2DD-4763-8B5A-0D105C5558CD}" type="datetimeFigureOut">
               <a:rPr lang="hu-HU" smtClean="0"/>
-              <a:t>2022.09.15.</a:t>
+              <a:t>2022. 09. 20.</a:t>
             </a:fld>
             <a:endParaRPr lang="hu-HU"/>
           </a:p>
@@ -355,7 +359,7 @@
           </a:lstStyle>
           <a:p>
             <a:r>
-              <a:rPr lang="hu-HU" smtClean="0"/>
+              <a:rPr lang="hu-HU"/>
               <a:t>Mintacím szerkesztése</a:t>
             </a:r>
             <a:endParaRPr lang="en-US" dirty="0"/>
@@ -446,7 +450,7 @@
           </a:lstStyle>
           <a:p>
             <a:r>
-              <a:rPr lang="hu-HU" smtClean="0"/>
+              <a:rPr lang="hu-HU"/>
               <a:t>Kép beszúrásához kattintson az ikonra</a:t>
             </a:r>
             <a:endParaRPr lang="en-US" dirty="0"/>
@@ -514,7 +518,7 @@
           <a:p>
             <a:pPr lvl="0"/>
             <a:r>
-              <a:rPr lang="hu-HU" smtClean="0"/>
+              <a:rPr lang="hu-HU"/>
               <a:t>Mintaszöveg szerkesztése</a:t>
             </a:r>
           </a:p>
@@ -537,7 +541,7 @@
           <a:p>
             <a:fld id="{516224EF-E2DD-4763-8B5A-0D105C5558CD}" type="datetimeFigureOut">
               <a:rPr lang="hu-HU" smtClean="0"/>
-              <a:t>2022.09.15.</a:t>
+              <a:t>2022. 09. 20.</a:t>
             </a:fld>
             <a:endParaRPr lang="hu-HU"/>
           </a:p>
@@ -640,7 +644,7 @@
           </a:lstStyle>
           <a:p>
             <a:r>
-              <a:rPr lang="hu-HU" smtClean="0"/>
+              <a:rPr lang="hu-HU"/>
               <a:t>Mintacím szerkesztése</a:t>
             </a:r>
             <a:endParaRPr lang="en-US" dirty="0"/>
@@ -706,7 +710,7 @@
           <a:p>
             <a:pPr lvl="0"/>
             <a:r>
-              <a:rPr lang="hu-HU" smtClean="0"/>
+              <a:rPr lang="hu-HU"/>
               <a:t>Mintaszöveg szerkesztése</a:t>
             </a:r>
           </a:p>
@@ -729,7 +733,7 @@
           <a:p>
             <a:fld id="{516224EF-E2DD-4763-8B5A-0D105C5558CD}" type="datetimeFigureOut">
               <a:rPr lang="hu-HU" smtClean="0"/>
-              <a:t>2022.09.15.</a:t>
+              <a:t>2022. 09. 20.</a:t>
             </a:fld>
             <a:endParaRPr lang="hu-HU"/>
           </a:p>
@@ -832,7 +836,7 @@
           </a:lstStyle>
           <a:p>
             <a:r>
-              <a:rPr lang="hu-HU" smtClean="0"/>
+              <a:rPr lang="hu-HU"/>
               <a:t>Mintacím szerkesztése</a:t>
             </a:r>
             <a:endParaRPr lang="en-US" dirty="0"/>
@@ -900,7 +904,7 @@
           <a:p>
             <a:pPr lvl="0"/>
             <a:r>
-              <a:rPr lang="hu-HU" smtClean="0"/>
+              <a:rPr lang="hu-HU"/>
               <a:t>Mintaszöveg szerkesztése</a:t>
             </a:r>
           </a:p>
@@ -967,7 +971,7 @@
           <a:p>
             <a:pPr lvl="0"/>
             <a:r>
-              <a:rPr lang="hu-HU" smtClean="0"/>
+              <a:rPr lang="hu-HU"/>
               <a:t>Mintaszöveg szerkesztése</a:t>
             </a:r>
           </a:p>
@@ -990,7 +994,7 @@
           <a:p>
             <a:fld id="{516224EF-E2DD-4763-8B5A-0D105C5558CD}" type="datetimeFigureOut">
               <a:rPr lang="hu-HU" smtClean="0"/>
-              <a:t>2022.09.15.</a:t>
+              <a:t>2022. 09. 20.</a:t>
             </a:fld>
             <a:endParaRPr lang="hu-HU"/>
           </a:p>
@@ -1325,7 +1329,7 @@
           </a:lstStyle>
           <a:p>
             <a:r>
-              <a:rPr lang="hu-HU" smtClean="0"/>
+              <a:rPr lang="hu-HU"/>
               <a:t>Mintacím szerkesztése</a:t>
             </a:r>
             <a:endParaRPr lang="en-US" dirty="0"/>
@@ -1391,7 +1395,7 @@
           <a:p>
             <a:pPr lvl="0"/>
             <a:r>
-              <a:rPr lang="hu-HU" smtClean="0"/>
+              <a:rPr lang="hu-HU"/>
               <a:t>Mintaszöveg szerkesztése</a:t>
             </a:r>
           </a:p>
@@ -1414,7 +1418,7 @@
           <a:p>
             <a:fld id="{516224EF-E2DD-4763-8B5A-0D105C5558CD}" type="datetimeFigureOut">
               <a:rPr lang="hu-HU" smtClean="0"/>
-              <a:t>2022.09.15.</a:t>
+              <a:t>2022. 09. 20.</a:t>
             </a:fld>
             <a:endParaRPr lang="hu-HU"/>
           </a:p>
@@ -1513,7 +1517,7 @@
           <a:lstStyle/>
           <a:p>
             <a:r>
-              <a:rPr lang="hu-HU" smtClean="0"/>
+              <a:rPr lang="hu-HU"/>
               <a:t>Mintacím szerkesztése</a:t>
             </a:r>
             <a:endParaRPr lang="en-US" dirty="0"/>
@@ -1588,7 +1592,7 @@
           <a:p>
             <a:pPr lvl="0"/>
             <a:r>
-              <a:rPr lang="hu-HU" smtClean="0"/>
+              <a:rPr lang="hu-HU"/>
               <a:t>Mintaszöveg szerkesztése</a:t>
             </a:r>
           </a:p>
@@ -1655,7 +1659,7 @@
           <a:p>
             <a:pPr lvl="0"/>
             <a:r>
-              <a:rPr lang="hu-HU" smtClean="0"/>
+              <a:rPr lang="hu-HU"/>
               <a:t>Mintaszöveg szerkesztése</a:t>
             </a:r>
           </a:p>
@@ -1729,7 +1733,7 @@
           <a:p>
             <a:pPr lvl="0"/>
             <a:r>
-              <a:rPr lang="hu-HU" smtClean="0"/>
+              <a:rPr lang="hu-HU"/>
               <a:t>Mintaszöveg szerkesztése</a:t>
             </a:r>
           </a:p>
@@ -1796,7 +1800,7 @@
           <a:p>
             <a:pPr lvl="0"/>
             <a:r>
-              <a:rPr lang="hu-HU" smtClean="0"/>
+              <a:rPr lang="hu-HU"/>
               <a:t>Mintaszöveg szerkesztése</a:t>
             </a:r>
           </a:p>
@@ -1870,7 +1874,7 @@
           <a:p>
             <a:pPr lvl="0"/>
             <a:r>
-              <a:rPr lang="hu-HU" smtClean="0"/>
+              <a:rPr lang="hu-HU"/>
               <a:t>Mintaszöveg szerkesztése</a:t>
             </a:r>
           </a:p>
@@ -1937,7 +1941,7 @@
           <a:p>
             <a:pPr lvl="0"/>
             <a:r>
-              <a:rPr lang="hu-HU" smtClean="0"/>
+              <a:rPr lang="hu-HU"/>
               <a:t>Mintaszöveg szerkesztése</a:t>
             </a:r>
           </a:p>
@@ -1960,7 +1964,7 @@
           <a:p>
             <a:fld id="{516224EF-E2DD-4763-8B5A-0D105C5558CD}" type="datetimeFigureOut">
               <a:rPr lang="hu-HU" smtClean="0"/>
-              <a:t>2022.09.15.</a:t>
+              <a:t>2022. 09. 20.</a:t>
             </a:fld>
             <a:endParaRPr lang="hu-HU"/>
           </a:p>
@@ -2059,7 +2063,7 @@
           <a:lstStyle/>
           <a:p>
             <a:r>
-              <a:rPr lang="hu-HU" smtClean="0"/>
+              <a:rPr lang="hu-HU"/>
               <a:t>Mintacím szerkesztése</a:t>
             </a:r>
             <a:endParaRPr lang="en-US" dirty="0"/>
@@ -2134,7 +2138,7 @@
           <a:p>
             <a:pPr lvl="0"/>
             <a:r>
-              <a:rPr lang="hu-HU" smtClean="0"/>
+              <a:rPr lang="hu-HU"/>
               <a:t>Mintaszöveg szerkesztése</a:t>
             </a:r>
           </a:p>
@@ -2231,7 +2235,7 @@
           </a:lstStyle>
           <a:p>
             <a:r>
-              <a:rPr lang="hu-HU" smtClean="0"/>
+              <a:rPr lang="hu-HU"/>
               <a:t>Kép beszúrásához kattintson az ikonra</a:t>
             </a:r>
             <a:endParaRPr lang="en-US" dirty="0"/>
@@ -2299,7 +2303,7 @@
           <a:p>
             <a:pPr lvl="0"/>
             <a:r>
-              <a:rPr lang="hu-HU" smtClean="0"/>
+              <a:rPr lang="hu-HU"/>
               <a:t>Mintaszöveg szerkesztése</a:t>
             </a:r>
           </a:p>
@@ -2373,7 +2377,7 @@
           <a:p>
             <a:pPr lvl="0"/>
             <a:r>
-              <a:rPr lang="hu-HU" smtClean="0"/>
+              <a:rPr lang="hu-HU"/>
               <a:t>Mintaszöveg szerkesztése</a:t>
             </a:r>
           </a:p>
@@ -2470,7 +2474,7 @@
           </a:lstStyle>
           <a:p>
             <a:r>
-              <a:rPr lang="hu-HU" smtClean="0"/>
+              <a:rPr lang="hu-HU"/>
               <a:t>Kép beszúrásához kattintson az ikonra</a:t>
             </a:r>
             <a:endParaRPr lang="en-US" dirty="0"/>
@@ -2538,7 +2542,7 @@
           <a:p>
             <a:pPr lvl="0"/>
             <a:r>
-              <a:rPr lang="hu-HU" smtClean="0"/>
+              <a:rPr lang="hu-HU"/>
               <a:t>Mintaszöveg szerkesztése</a:t>
             </a:r>
           </a:p>
@@ -2612,7 +2616,7 @@
           <a:p>
             <a:pPr lvl="0"/>
             <a:r>
-              <a:rPr lang="hu-HU" smtClean="0"/>
+              <a:rPr lang="hu-HU"/>
               <a:t>Mintaszöveg szerkesztése</a:t>
             </a:r>
           </a:p>
@@ -2709,7 +2713,7 @@
           </a:lstStyle>
           <a:p>
             <a:r>
-              <a:rPr lang="hu-HU" smtClean="0"/>
+              <a:rPr lang="hu-HU"/>
               <a:t>Kép beszúrásához kattintson az ikonra</a:t>
             </a:r>
             <a:endParaRPr lang="en-US" dirty="0"/>
@@ -2777,7 +2781,7 @@
           <a:p>
             <a:pPr lvl="0"/>
             <a:r>
-              <a:rPr lang="hu-HU" smtClean="0"/>
+              <a:rPr lang="hu-HU"/>
               <a:t>Mintaszöveg szerkesztése</a:t>
             </a:r>
           </a:p>
@@ -2800,7 +2804,7 @@
           <a:p>
             <a:fld id="{516224EF-E2DD-4763-8B5A-0D105C5558CD}" type="datetimeFigureOut">
               <a:rPr lang="hu-HU" smtClean="0"/>
-              <a:t>2022.09.15.</a:t>
+              <a:t>2022. 09. 20.</a:t>
             </a:fld>
             <a:endParaRPr lang="hu-HU"/>
           </a:p>
@@ -2894,7 +2898,7 @@
           <a:lstStyle/>
           <a:p>
             <a:r>
-              <a:rPr lang="hu-HU" smtClean="0"/>
+              <a:rPr lang="hu-HU"/>
               <a:t>Mintacím szerkesztése</a:t>
             </a:r>
             <a:endParaRPr lang="en-US" dirty="0"/>
@@ -2918,35 +2922,35 @@
           <a:p>
             <a:pPr lvl="0"/>
             <a:r>
-              <a:rPr lang="hu-HU" smtClean="0"/>
+              <a:rPr lang="hu-HU"/>
               <a:t>Mintaszöveg szerkesztése</a:t>
             </a:r>
           </a:p>
           <a:p>
             <a:pPr lvl="1"/>
             <a:r>
-              <a:rPr lang="hu-HU" smtClean="0"/>
+              <a:rPr lang="hu-HU"/>
               <a:t>Második szint</a:t>
             </a:r>
           </a:p>
           <a:p>
             <a:pPr lvl="2"/>
             <a:r>
-              <a:rPr lang="hu-HU" smtClean="0"/>
+              <a:rPr lang="hu-HU"/>
               <a:t>Harmadik szint</a:t>
             </a:r>
           </a:p>
           <a:p>
             <a:pPr lvl="3"/>
             <a:r>
-              <a:rPr lang="hu-HU" smtClean="0"/>
+              <a:rPr lang="hu-HU"/>
               <a:t>Negyedik szint</a:t>
             </a:r>
           </a:p>
           <a:p>
             <a:pPr lvl="4"/>
             <a:r>
-              <a:rPr lang="hu-HU" smtClean="0"/>
+              <a:rPr lang="hu-HU"/>
               <a:t>Ötödik szint</a:t>
             </a:r>
             <a:endParaRPr lang="en-US" dirty="0"/>
@@ -2970,7 +2974,7 @@
           <a:p>
             <a:fld id="{516224EF-E2DD-4763-8B5A-0D105C5558CD}" type="datetimeFigureOut">
               <a:rPr lang="hu-HU" smtClean="0"/>
-              <a:t>2022.09.15.</a:t>
+              <a:t>2022. 09. 20.</a:t>
             </a:fld>
             <a:endParaRPr lang="hu-HU"/>
           </a:p>
@@ -3073,7 +3077,7 @@
           </a:lstStyle>
           <a:p>
             <a:r>
-              <a:rPr lang="hu-HU" smtClean="0"/>
+              <a:rPr lang="hu-HU"/>
               <a:t>Mintacím szerkesztése</a:t>
             </a:r>
             <a:endParaRPr lang="en-US" dirty="0"/>
@@ -3102,35 +3106,35 @@
           <a:p>
             <a:pPr lvl="0"/>
             <a:r>
-              <a:rPr lang="hu-HU" smtClean="0"/>
+              <a:rPr lang="hu-HU"/>
               <a:t>Mintaszöveg szerkesztése</a:t>
             </a:r>
           </a:p>
           <a:p>
             <a:pPr lvl="1"/>
             <a:r>
-              <a:rPr lang="hu-HU" smtClean="0"/>
+              <a:rPr lang="hu-HU"/>
               <a:t>Második szint</a:t>
             </a:r>
           </a:p>
           <a:p>
             <a:pPr lvl="2"/>
             <a:r>
-              <a:rPr lang="hu-HU" smtClean="0"/>
+              <a:rPr lang="hu-HU"/>
               <a:t>Harmadik szint</a:t>
             </a:r>
           </a:p>
           <a:p>
             <a:pPr lvl="3"/>
             <a:r>
-              <a:rPr lang="hu-HU" smtClean="0"/>
+              <a:rPr lang="hu-HU"/>
               <a:t>Negyedik szint</a:t>
             </a:r>
           </a:p>
           <a:p>
             <a:pPr lvl="4"/>
             <a:r>
-              <a:rPr lang="hu-HU" smtClean="0"/>
+              <a:rPr lang="hu-HU"/>
               <a:t>Ötödik szint</a:t>
             </a:r>
             <a:endParaRPr lang="en-US" dirty="0"/>
@@ -3154,7 +3158,7 @@
           <a:p>
             <a:fld id="{516224EF-E2DD-4763-8B5A-0D105C5558CD}" type="datetimeFigureOut">
               <a:rPr lang="hu-HU" smtClean="0"/>
-              <a:t>2022.09.15.</a:t>
+              <a:t>2022. 09. 20.</a:t>
             </a:fld>
             <a:endParaRPr lang="hu-HU"/>
           </a:p>
@@ -3248,7 +3252,7 @@
           <a:lstStyle/>
           <a:p>
             <a:r>
-              <a:rPr lang="hu-HU" smtClean="0"/>
+              <a:rPr lang="hu-HU"/>
               <a:t>Mintacím szerkesztése</a:t>
             </a:r>
             <a:endParaRPr lang="en-US" dirty="0"/>
@@ -3272,35 +3276,35 @@
           <a:p>
             <a:pPr lvl="0"/>
             <a:r>
-              <a:rPr lang="hu-HU" smtClean="0"/>
+              <a:rPr lang="hu-HU"/>
               <a:t>Mintaszöveg szerkesztése</a:t>
             </a:r>
           </a:p>
           <a:p>
             <a:pPr lvl="1"/>
             <a:r>
-              <a:rPr lang="hu-HU" smtClean="0"/>
+              <a:rPr lang="hu-HU"/>
               <a:t>Második szint</a:t>
             </a:r>
           </a:p>
           <a:p>
             <a:pPr lvl="2"/>
             <a:r>
-              <a:rPr lang="hu-HU" smtClean="0"/>
+              <a:rPr lang="hu-HU"/>
               <a:t>Harmadik szint</a:t>
             </a:r>
           </a:p>
           <a:p>
             <a:pPr lvl="3"/>
             <a:r>
-              <a:rPr lang="hu-HU" smtClean="0"/>
+              <a:rPr lang="hu-HU"/>
               <a:t>Negyedik szint</a:t>
             </a:r>
           </a:p>
           <a:p>
             <a:pPr lvl="4"/>
             <a:r>
-              <a:rPr lang="hu-HU" smtClean="0"/>
+              <a:rPr lang="hu-HU"/>
               <a:t>Ötödik szint</a:t>
             </a:r>
             <a:endParaRPr lang="en-US" dirty="0"/>
@@ -3324,7 +3328,7 @@
           <a:p>
             <a:fld id="{516224EF-E2DD-4763-8B5A-0D105C5558CD}" type="datetimeFigureOut">
               <a:rPr lang="hu-HU" smtClean="0"/>
-              <a:t>2022.09.15.</a:t>
+              <a:t>2022. 09. 20.</a:t>
             </a:fld>
             <a:endParaRPr lang="hu-HU"/>
           </a:p>
@@ -3429,7 +3433,7 @@
           </a:lstStyle>
           <a:p>
             <a:r>
-              <a:rPr lang="hu-HU" smtClean="0"/>
+              <a:rPr lang="hu-HU"/>
               <a:t>Mintacím szerkesztése</a:t>
             </a:r>
             <a:endParaRPr lang="en-US" dirty="0"/>
@@ -3549,7 +3553,7 @@
           <a:p>
             <a:pPr lvl="0"/>
             <a:r>
-              <a:rPr lang="hu-HU" smtClean="0"/>
+              <a:rPr lang="hu-HU"/>
               <a:t>Mintaszöveg szerkesztése</a:t>
             </a:r>
           </a:p>
@@ -3572,7 +3576,7 @@
           <a:p>
             <a:fld id="{516224EF-E2DD-4763-8B5A-0D105C5558CD}" type="datetimeFigureOut">
               <a:rPr lang="hu-HU" smtClean="0"/>
-              <a:t>2022.09.15.</a:t>
+              <a:t>2022. 09. 20.</a:t>
             </a:fld>
             <a:endParaRPr lang="hu-HU"/>
           </a:p>
@@ -3671,7 +3675,7 @@
           <a:lstStyle/>
           <a:p>
             <a:r>
-              <a:rPr lang="hu-HU" smtClean="0"/>
+              <a:rPr lang="hu-HU"/>
               <a:t>Mintacím szerkesztése</a:t>
             </a:r>
             <a:endParaRPr lang="en-US" dirty="0"/>
@@ -3700,35 +3704,35 @@
           <a:p>
             <a:pPr lvl="0"/>
             <a:r>
-              <a:rPr lang="hu-HU" smtClean="0"/>
+              <a:rPr lang="hu-HU"/>
               <a:t>Mintaszöveg szerkesztése</a:t>
             </a:r>
           </a:p>
           <a:p>
             <a:pPr lvl="1"/>
             <a:r>
-              <a:rPr lang="hu-HU" smtClean="0"/>
+              <a:rPr lang="hu-HU"/>
               <a:t>Második szint</a:t>
             </a:r>
           </a:p>
           <a:p>
             <a:pPr lvl="2"/>
             <a:r>
-              <a:rPr lang="hu-HU" smtClean="0"/>
+              <a:rPr lang="hu-HU"/>
               <a:t>Harmadik szint</a:t>
             </a:r>
           </a:p>
           <a:p>
             <a:pPr lvl="3"/>
             <a:r>
-              <a:rPr lang="hu-HU" smtClean="0"/>
+              <a:rPr lang="hu-HU"/>
               <a:t>Negyedik szint</a:t>
             </a:r>
           </a:p>
           <a:p>
             <a:pPr lvl="4"/>
             <a:r>
-              <a:rPr lang="hu-HU" smtClean="0"/>
+              <a:rPr lang="hu-HU"/>
               <a:t>Ötödik szint</a:t>
             </a:r>
             <a:endParaRPr lang="en-US" dirty="0"/>
@@ -3757,35 +3761,35 @@
           <a:p>
             <a:pPr lvl="0"/>
             <a:r>
-              <a:rPr lang="hu-HU" smtClean="0"/>
+              <a:rPr lang="hu-HU"/>
               <a:t>Mintaszöveg szerkesztése</a:t>
             </a:r>
           </a:p>
           <a:p>
             <a:pPr lvl="1"/>
             <a:r>
-              <a:rPr lang="hu-HU" smtClean="0"/>
+              <a:rPr lang="hu-HU"/>
               <a:t>Második szint</a:t>
             </a:r>
           </a:p>
           <a:p>
             <a:pPr lvl="2"/>
             <a:r>
-              <a:rPr lang="hu-HU" smtClean="0"/>
+              <a:rPr lang="hu-HU"/>
               <a:t>Harmadik szint</a:t>
             </a:r>
           </a:p>
           <a:p>
             <a:pPr lvl="3"/>
             <a:r>
-              <a:rPr lang="hu-HU" smtClean="0"/>
+              <a:rPr lang="hu-HU"/>
               <a:t>Negyedik szint</a:t>
             </a:r>
           </a:p>
           <a:p>
             <a:pPr lvl="4"/>
             <a:r>
-              <a:rPr lang="hu-HU" smtClean="0"/>
+              <a:rPr lang="hu-HU"/>
               <a:t>Ötödik szint</a:t>
             </a:r>
             <a:endParaRPr lang="en-US" dirty="0"/>
@@ -3809,7 +3813,7 @@
           <a:p>
             <a:fld id="{516224EF-E2DD-4763-8B5A-0D105C5558CD}" type="datetimeFigureOut">
               <a:rPr lang="hu-HU" smtClean="0"/>
-              <a:t>2022.09.15.</a:t>
+              <a:t>2022. 09. 20.</a:t>
             </a:fld>
             <a:endParaRPr lang="hu-HU"/>
           </a:p>
@@ -3908,7 +3912,7 @@
           <a:lstStyle/>
           <a:p>
             <a:r>
-              <a:rPr lang="hu-HU" smtClean="0"/>
+              <a:rPr lang="hu-HU"/>
               <a:t>Mintacím szerkesztése</a:t>
             </a:r>
             <a:endParaRPr lang="en-US" dirty="0"/>
@@ -3977,7 +3981,7 @@
           <a:p>
             <a:pPr lvl="0"/>
             <a:r>
-              <a:rPr lang="hu-HU" smtClean="0"/>
+              <a:rPr lang="hu-HU"/>
               <a:t>Mintaszöveg szerkesztése</a:t>
             </a:r>
           </a:p>
@@ -4005,35 +4009,35 @@
           <a:p>
             <a:pPr lvl="0"/>
             <a:r>
-              <a:rPr lang="hu-HU" smtClean="0"/>
+              <a:rPr lang="hu-HU"/>
               <a:t>Mintaszöveg szerkesztése</a:t>
             </a:r>
           </a:p>
           <a:p>
             <a:pPr lvl="1"/>
             <a:r>
-              <a:rPr lang="hu-HU" smtClean="0"/>
+              <a:rPr lang="hu-HU"/>
               <a:t>Második szint</a:t>
             </a:r>
           </a:p>
           <a:p>
             <a:pPr lvl="2"/>
             <a:r>
-              <a:rPr lang="hu-HU" smtClean="0"/>
+              <a:rPr lang="hu-HU"/>
               <a:t>Harmadik szint</a:t>
             </a:r>
           </a:p>
           <a:p>
             <a:pPr lvl="3"/>
             <a:r>
-              <a:rPr lang="hu-HU" smtClean="0"/>
+              <a:rPr lang="hu-HU"/>
               <a:t>Negyedik szint</a:t>
             </a:r>
           </a:p>
           <a:p>
             <a:pPr lvl="4"/>
             <a:r>
-              <a:rPr lang="hu-HU" smtClean="0"/>
+              <a:rPr lang="hu-HU"/>
               <a:t>Ötödik szint</a:t>
             </a:r>
             <a:endParaRPr lang="en-US" dirty="0"/>
@@ -4102,7 +4106,7 @@
           <a:p>
             <a:pPr lvl="0"/>
             <a:r>
-              <a:rPr lang="hu-HU" smtClean="0"/>
+              <a:rPr lang="hu-HU"/>
               <a:t>Mintaszöveg szerkesztése</a:t>
             </a:r>
           </a:p>
@@ -4130,35 +4134,35 @@
           <a:p>
             <a:pPr lvl="0"/>
             <a:r>
-              <a:rPr lang="hu-HU" smtClean="0"/>
+              <a:rPr lang="hu-HU"/>
               <a:t>Mintaszöveg szerkesztése</a:t>
             </a:r>
           </a:p>
           <a:p>
             <a:pPr lvl="1"/>
             <a:r>
-              <a:rPr lang="hu-HU" smtClean="0"/>
+              <a:rPr lang="hu-HU"/>
               <a:t>Második szint</a:t>
             </a:r>
           </a:p>
           <a:p>
             <a:pPr lvl="2"/>
             <a:r>
-              <a:rPr lang="hu-HU" smtClean="0"/>
+              <a:rPr lang="hu-HU"/>
               <a:t>Harmadik szint</a:t>
             </a:r>
           </a:p>
           <a:p>
             <a:pPr lvl="3"/>
             <a:r>
-              <a:rPr lang="hu-HU" smtClean="0"/>
+              <a:rPr lang="hu-HU"/>
               <a:t>Negyedik szint</a:t>
             </a:r>
           </a:p>
           <a:p>
             <a:pPr lvl="4"/>
             <a:r>
-              <a:rPr lang="hu-HU" smtClean="0"/>
+              <a:rPr lang="hu-HU"/>
               <a:t>Ötödik szint</a:t>
             </a:r>
             <a:endParaRPr lang="en-US" dirty="0"/>
@@ -4182,7 +4186,7 @@
           <a:p>
             <a:fld id="{516224EF-E2DD-4763-8B5A-0D105C5558CD}" type="datetimeFigureOut">
               <a:rPr lang="hu-HU" smtClean="0"/>
-              <a:t>2022.09.15.</a:t>
+              <a:t>2022. 09. 20.</a:t>
             </a:fld>
             <a:endParaRPr lang="hu-HU"/>
           </a:p>
@@ -4276,7 +4280,7 @@
           <a:lstStyle/>
           <a:p>
             <a:r>
-              <a:rPr lang="hu-HU" smtClean="0"/>
+              <a:rPr lang="hu-HU"/>
               <a:t>Mintacím szerkesztése</a:t>
             </a:r>
             <a:endParaRPr lang="en-US" dirty="0"/>
@@ -4300,7 +4304,7 @@
           <a:p>
             <a:fld id="{516224EF-E2DD-4763-8B5A-0D105C5558CD}" type="datetimeFigureOut">
               <a:rPr lang="hu-HU" smtClean="0"/>
-              <a:t>2022.09.15.</a:t>
+              <a:t>2022. 09. 20.</a:t>
             </a:fld>
             <a:endParaRPr lang="hu-HU"/>
           </a:p>
@@ -4395,7 +4399,7 @@
           <a:p>
             <a:fld id="{516224EF-E2DD-4763-8B5A-0D105C5558CD}" type="datetimeFigureOut">
               <a:rPr lang="hu-HU" smtClean="0"/>
-              <a:t>2022.09.15.</a:t>
+              <a:t>2022. 09. 20.</a:t>
             </a:fld>
             <a:endParaRPr lang="hu-HU"/>
           </a:p>
@@ -4500,7 +4504,7 @@
           </a:lstStyle>
           <a:p>
             <a:r>
-              <a:rPr lang="hu-HU" smtClean="0"/>
+              <a:rPr lang="hu-HU"/>
               <a:t>Mintacím szerkesztése</a:t>
             </a:r>
             <a:endParaRPr lang="en-US" dirty="0"/>
@@ -4529,35 +4533,35 @@
           <a:p>
             <a:pPr lvl="0"/>
             <a:r>
-              <a:rPr lang="hu-HU" smtClean="0"/>
+              <a:rPr lang="hu-HU"/>
               <a:t>Mintaszöveg szerkesztése</a:t>
             </a:r>
           </a:p>
           <a:p>
             <a:pPr lvl="1"/>
             <a:r>
-              <a:rPr lang="hu-HU" smtClean="0"/>
+              <a:rPr lang="hu-HU"/>
               <a:t>Második szint</a:t>
             </a:r>
           </a:p>
           <a:p>
             <a:pPr lvl="2"/>
             <a:r>
-              <a:rPr lang="hu-HU" smtClean="0"/>
+              <a:rPr lang="hu-HU"/>
               <a:t>Harmadik szint</a:t>
             </a:r>
           </a:p>
           <a:p>
             <a:pPr lvl="3"/>
             <a:r>
-              <a:rPr lang="hu-HU" smtClean="0"/>
+              <a:rPr lang="hu-HU"/>
               <a:t>Negyedik szint</a:t>
             </a:r>
           </a:p>
           <a:p>
             <a:pPr lvl="4"/>
             <a:r>
-              <a:rPr lang="hu-HU" smtClean="0"/>
+              <a:rPr lang="hu-HU"/>
               <a:t>Ötödik szint</a:t>
             </a:r>
             <a:endParaRPr lang="en-US" dirty="0"/>
@@ -4623,7 +4627,7 @@
           <a:p>
             <a:pPr lvl="0"/>
             <a:r>
-              <a:rPr lang="hu-HU" smtClean="0"/>
+              <a:rPr lang="hu-HU"/>
               <a:t>Mintaszöveg szerkesztése</a:t>
             </a:r>
           </a:p>
@@ -4646,7 +4650,7 @@
           <a:p>
             <a:fld id="{516224EF-E2DD-4763-8B5A-0D105C5558CD}" type="datetimeFigureOut">
               <a:rPr lang="hu-HU" smtClean="0"/>
-              <a:t>2022.09.15.</a:t>
+              <a:t>2022. 09. 20.</a:t>
             </a:fld>
             <a:endParaRPr lang="hu-HU"/>
           </a:p>
@@ -4751,7 +4755,7 @@
           </a:lstStyle>
           <a:p>
             <a:r>
-              <a:rPr lang="hu-HU" smtClean="0"/>
+              <a:rPr lang="hu-HU"/>
               <a:t>Mintacím szerkesztése</a:t>
             </a:r>
             <a:endParaRPr lang="en-US" dirty="0"/>
@@ -4842,7 +4846,7 @@
           </a:lstStyle>
           <a:p>
             <a:r>
-              <a:rPr lang="hu-HU" smtClean="0"/>
+              <a:rPr lang="hu-HU"/>
               <a:t>Kép beszúrásához kattintson az ikonra</a:t>
             </a:r>
             <a:endParaRPr lang="en-US" dirty="0"/>
@@ -4910,7 +4914,7 @@
           <a:p>
             <a:pPr lvl="0"/>
             <a:r>
-              <a:rPr lang="hu-HU" smtClean="0"/>
+              <a:rPr lang="hu-HU"/>
               <a:t>Mintaszöveg szerkesztése</a:t>
             </a:r>
           </a:p>
@@ -4933,7 +4937,7 @@
           <a:p>
             <a:fld id="{516224EF-E2DD-4763-8B5A-0D105C5558CD}" type="datetimeFigureOut">
               <a:rPr lang="hu-HU" smtClean="0"/>
-              <a:t>2022.09.15.</a:t>
+              <a:t>2022. 09. 20.</a:t>
             </a:fld>
             <a:endParaRPr lang="hu-HU"/>
           </a:p>
@@ -5042,7 +5046,7 @@
           <a:lstStyle/>
           <a:p>
             <a:r>
-              <a:rPr lang="hu-HU" smtClean="0"/>
+              <a:rPr lang="hu-HU"/>
               <a:t>Mintacím szerkesztése</a:t>
             </a:r>
             <a:endParaRPr lang="en-US" dirty="0"/>
@@ -5076,35 +5080,35 @@
           <a:p>
             <a:pPr lvl="0"/>
             <a:r>
-              <a:rPr lang="hu-HU" smtClean="0"/>
+              <a:rPr lang="hu-HU"/>
               <a:t>Mintaszöveg szerkesztése</a:t>
             </a:r>
           </a:p>
           <a:p>
             <a:pPr lvl="1"/>
             <a:r>
-              <a:rPr lang="hu-HU" smtClean="0"/>
+              <a:rPr lang="hu-HU"/>
               <a:t>Második szint</a:t>
             </a:r>
           </a:p>
           <a:p>
             <a:pPr lvl="2"/>
             <a:r>
-              <a:rPr lang="hu-HU" smtClean="0"/>
+              <a:rPr lang="hu-HU"/>
               <a:t>Harmadik szint</a:t>
             </a:r>
           </a:p>
           <a:p>
             <a:pPr lvl="3"/>
             <a:r>
-              <a:rPr lang="hu-HU" smtClean="0"/>
+              <a:rPr lang="hu-HU"/>
               <a:t>Negyedik szint</a:t>
             </a:r>
           </a:p>
           <a:p>
             <a:pPr lvl="4"/>
             <a:r>
-              <a:rPr lang="hu-HU" smtClean="0"/>
+              <a:rPr lang="hu-HU"/>
               <a:t>Ötödik szint</a:t>
             </a:r>
             <a:endParaRPr lang="en-US" dirty="0"/>
@@ -5146,7 +5150,7 @@
           <a:p>
             <a:fld id="{516224EF-E2DD-4763-8B5A-0D105C5558CD}" type="datetimeFigureOut">
               <a:rPr lang="hu-HU" smtClean="0"/>
-              <a:t>2022.09.15.</a:t>
+              <a:t>2022. 09. 20.</a:t>
             </a:fld>
             <a:endParaRPr lang="hu-HU"/>
           </a:p>
@@ -5643,10 +5647,9 @@
           <a:lstStyle/>
           <a:p>
             <a:r>
-              <a:rPr lang="hu-HU" dirty="0" smtClean="0"/>
+              <a:rPr lang="hu-HU" dirty="0"/>
               <a:t>Számítógép védelme</a:t>
             </a:r>
-            <a:endParaRPr lang="hu-HU" dirty="0"/>
           </a:p>
         </p:txBody>
       </p:sp>
@@ -5666,10 +5669,9 @@
           <a:lstStyle/>
           <a:p>
             <a:r>
-              <a:rPr lang="hu-HU" dirty="0" smtClean="0"/>
+              <a:rPr lang="hu-HU" dirty="0"/>
               <a:t>Készítette: Bartek Áron</a:t>
             </a:r>
-            <a:endParaRPr lang="hu-HU" dirty="0"/>
           </a:p>
         </p:txBody>
       </p:sp>
@@ -5683,13 +5685,6 @@
   <p:clrMapOvr>
     <a:masterClrMapping/>
   </p:clrMapOvr>
-  <p:timing>
-    <p:tnLst>
-      <p:par>
-        <p:cTn id="1" dur="indefinite" restart="never" nodeType="tmRoot"/>
-      </p:par>
-    </p:tnLst>
-  </p:timing>
 </p:sld>
 </file>
 
@@ -5725,86 +5720,10 @@
           <a:bodyPr/>
           <a:lstStyle/>
           <a:p>
-            <a:endParaRPr lang="hu-HU"/>
-          </a:p>
-        </p:txBody>
-      </p:sp>
-      <p:sp>
-        <p:nvSpPr>
-          <p:cNvPr id="3" name="Tartalom helye 2"/>
-          <p:cNvSpPr>
-            <a:spLocks noGrp="1"/>
-          </p:cNvSpPr>
-          <p:nvPr>
-            <p:ph idx="1"/>
-          </p:nvPr>
-        </p:nvSpPr>
-        <p:spPr/>
-        <p:txBody>
-          <a:bodyPr/>
-          <a:lstStyle/>
-          <a:p>
-            <a:endParaRPr lang="hu-HU"/>
-          </a:p>
-        </p:txBody>
-      </p:sp>
-    </p:spTree>
-    <p:extLst>
-      <p:ext uri="{BB962C8B-B14F-4D97-AF65-F5344CB8AC3E}">
-        <p14:creationId xmlns:p14="http://schemas.microsoft.com/office/powerpoint/2010/main" val="3518320404"/>
-      </p:ext>
-    </p:extLst>
-  </p:cSld>
-  <p:clrMapOvr>
-    <a:masterClrMapping/>
-  </p:clrMapOvr>
-  <p:timing>
-    <p:tnLst>
-      <p:par>
-        <p:cTn id="1" dur="indefinite" restart="never" nodeType="tmRoot"/>
-      </p:par>
-    </p:tnLst>
-  </p:timing>
-</p:sld>
-</file>
-
-<file path=ppt/slides/slide11.xml><?xml version="1.0" encoding="utf-8"?>
-<p:sld xmlns:a="http://schemas.openxmlformats.org/drawingml/2006/main" xmlns:r="http://schemas.openxmlformats.org/officeDocument/2006/relationships" xmlns:p="http://schemas.openxmlformats.org/presentationml/2006/main">
-  <p:cSld>
-    <p:spTree>
-      <p:nvGrpSpPr>
-        <p:cNvPr id="1" name=""/>
-        <p:cNvGrpSpPr/>
-        <p:nvPr/>
-      </p:nvGrpSpPr>
-      <p:grpSpPr>
-        <a:xfrm>
-          <a:off x="0" y="0"/>
-          <a:ext cx="0" cy="0"/>
-          <a:chOff x="0" y="0"/>
-          <a:chExt cx="0" cy="0"/>
-        </a:xfrm>
-      </p:grpSpPr>
-      <p:sp>
-        <p:nvSpPr>
-          <p:cNvPr id="2" name="Cím 1"/>
-          <p:cNvSpPr>
-            <a:spLocks noGrp="1"/>
-          </p:cNvSpPr>
-          <p:nvPr>
-            <p:ph type="title"/>
-          </p:nvPr>
-        </p:nvSpPr>
-        <p:spPr/>
-        <p:txBody>
-          <a:bodyPr/>
-          <a:lstStyle/>
-          <a:p>
-            <a:r>
-              <a:rPr lang="hu-HU" dirty="0" smtClean="0"/>
+            <a:r>
+              <a:rPr lang="hu-HU" dirty="0"/>
               <a:t>Köszönöm a figyelmet!</a:t>
             </a:r>
-            <a:endParaRPr lang="hu-HU" dirty="0"/>
           </a:p>
         </p:txBody>
       </p:sp>
@@ -5831,15 +5750,62 @@
               <a:rPr lang="hu-HU" dirty="0">
                 <a:hlinkClick r:id="rId2"/>
               </a:rPr>
-              <a:t>https://</a:t>
-            </a:r>
-            <a:r>
-              <a:rPr lang="hu-HU" dirty="0" smtClean="0">
-                <a:hlinkClick r:id="rId2"/>
+              <a:t>https://tinyurl.com/2p8nyxp4</a:t>
+            </a:r>
+            <a:r>
+              <a:rPr lang="hu-HU" dirty="0"/>
+              <a:t>, </a:t>
+            </a:r>
+            <a:r>
+              <a:rPr lang="hu-HU" dirty="0">
+                <a:hlinkClick r:id="rId3"/>
               </a:rPr>
-              <a:t>tinyurl.com/2p8nyxp4</a:t>
-            </a:r>
-            <a:endParaRPr lang="hu-HU" dirty="0" smtClean="0"/>
+              <a:t>https://tinyurl.com/3pvfem6n</a:t>
+            </a:r>
+            <a:r>
+              <a:rPr lang="hu-HU" dirty="0"/>
+              <a:t>, </a:t>
+            </a:r>
+            <a:r>
+              <a:rPr lang="hu-HU" dirty="0">
+                <a:hlinkClick r:id="rId4"/>
+              </a:rPr>
+              <a:t>https://tinyurl.com/sp3vhkcb</a:t>
+            </a:r>
+            <a:r>
+              <a:rPr lang="hu-HU" dirty="0"/>
+              <a:t>, </a:t>
+            </a:r>
+            <a:r>
+              <a:rPr lang="hu-HU" dirty="0">
+                <a:hlinkClick r:id="rId5"/>
+              </a:rPr>
+              <a:t>https://tinyurl.com/2f9hzazz</a:t>
+            </a:r>
+            <a:r>
+              <a:rPr lang="hu-HU" dirty="0"/>
+              <a:t>, </a:t>
+            </a:r>
+            <a:r>
+              <a:rPr lang="hu-HU" dirty="0">
+                <a:hlinkClick r:id="rId6"/>
+              </a:rPr>
+              <a:t>https://tinyurl.com/3uzvna2a</a:t>
+            </a:r>
+            <a:r>
+              <a:rPr lang="hu-HU" dirty="0"/>
+              <a:t>, </a:t>
+            </a:r>
+            <a:r>
+              <a:rPr lang="hu-HU" dirty="0">
+                <a:hlinkClick r:id="rId7"/>
+              </a:rPr>
+              <a:t>https://tinyurl.com/yx7fku8n</a:t>
+            </a:r>
+            <a:r>
+              <a:rPr lang="hu-HU" dirty="0"/>
+              <a:t> </a:t>
+            </a:r>
           </a:p>
           <a:p>
             <a:endParaRPr lang="hu-HU" dirty="0"/>
@@ -5856,13 +5822,6 @@
   <p:clrMapOvr>
     <a:masterClrMapping/>
   </p:clrMapOvr>
-  <p:timing>
-    <p:tnLst>
-      <p:par>
-        <p:cTn id="1" dur="indefinite" restart="never" nodeType="tmRoot"/>
-      </p:par>
-    </p:tnLst>
-  </p:timing>
 </p:sld>
 </file>
 
@@ -5899,10 +5858,9 @@
           <a:lstStyle/>
           <a:p>
             <a:r>
-              <a:rPr lang="hu-HU" dirty="0" smtClean="0"/>
+              <a:rPr lang="hu-HU" dirty="0"/>
               <a:t>Fizikailag</a:t>
             </a:r>
-            <a:endParaRPr lang="hu-HU" dirty="0"/>
           </a:p>
         </p:txBody>
       </p:sp>
@@ -5918,17 +5876,19 @@
         </p:nvSpPr>
         <p:spPr/>
         <p:txBody>
-          <a:bodyPr/>
-          <a:lstStyle/>
-          <a:p>
-            <a:r>
-              <a:rPr lang="hu-HU" dirty="0" smtClean="0"/>
+          <a:bodyPr>
+            <a:normAutofit/>
+          </a:bodyPr>
+          <a:lstStyle/>
+          <a:p>
+            <a:r>
+              <a:rPr lang="hu-HU" sz="2400" dirty="0"/>
               <a:t>Biztonságos környezet </a:t>
             </a:r>
           </a:p>
           <a:p>
             <a:r>
-              <a:rPr lang="hu-HU" dirty="0" smtClean="0"/>
+              <a:rPr lang="hu-HU" sz="2400" dirty="0"/>
               <a:t>Gépház és tartalmainak karbantartása</a:t>
             </a:r>
           </a:p>
@@ -5974,19 +5934,34 @@
   <p:clrMapOvr>
     <a:masterClrMapping/>
   </p:clrMapOvr>
-  <p:timing>
-    <p:tnLst>
-      <p:par>
-        <p:cTn id="1" dur="indefinite" restart="never" nodeType="tmRoot"/>
-      </p:par>
-    </p:tnLst>
-  </p:timing>
 </p:sld>
 </file>
 
 <file path=ppt/slides/slide3.xml><?xml version="1.0" encoding="utf-8"?>
 <p:sld xmlns:a="http://schemas.openxmlformats.org/drawingml/2006/main" xmlns:r="http://schemas.openxmlformats.org/officeDocument/2006/relationships" xmlns:p="http://schemas.openxmlformats.org/presentationml/2006/main">
   <p:cSld>
+    <p:bg>
+      <p:bgPr>
+        <a:blipFill rotWithShape="1">
+          <a:blip r:embed="rId2">
+            <a:duotone>
+              <a:schemeClr val="bg2">
+                <a:shade val="18000"/>
+                <a:satMod val="160000"/>
+                <a:lumMod val="28000"/>
+              </a:schemeClr>
+              <a:schemeClr val="bg2">
+                <a:tint val="95000"/>
+                <a:satMod val="160000"/>
+                <a:lumMod val="116000"/>
+              </a:schemeClr>
+            </a:duotone>
+          </a:blip>
+          <a:stretch/>
+        </a:blipFill>
+        <a:effectLst/>
+      </p:bgPr>
+    </p:bg>
     <p:spTree>
       <p:nvGrpSpPr>
         <p:cNvPr id="1" name=""/>
@@ -6011,19 +5986,60 @@
             <p:ph type="title"/>
           </p:nvPr>
         </p:nvSpPr>
-        <p:spPr/>
-        <p:txBody>
-          <a:bodyPr/>
-          <a:lstStyle/>
-          <a:p>
-            <a:r>
-              <a:rPr lang="hu-HU" dirty="0" smtClean="0"/>
+        <p:spPr>
+          <a:xfrm>
+            <a:off x="6513534" y="609600"/>
+            <a:ext cx="4754022" cy="1326321"/>
+          </a:xfrm>
+        </p:spPr>
+        <p:txBody>
+          <a:bodyPr>
+            <a:normAutofit/>
+          </a:bodyPr>
+          <a:lstStyle/>
+          <a:p>
+            <a:r>
+              <a:rPr lang="hu-HU" dirty="0"/>
               <a:t>Szoftveresen</a:t>
             </a:r>
-            <a:endParaRPr lang="hu-HU" dirty="0"/>
-          </a:p>
-        </p:txBody>
-      </p:sp>
+          </a:p>
+        </p:txBody>
+      </p:sp>
+      <p:pic>
+        <p:nvPicPr>
+          <p:cNvPr id="5" name="Kép 4">
+            <a:extLst>
+              <a:ext uri="{FF2B5EF4-FFF2-40B4-BE49-F238E27FC236}">
+                <a16:creationId xmlns:a16="http://schemas.microsoft.com/office/drawing/2014/main" id="{B608526B-927E-B236-23FF-3DAAC4BE5153}"/>
+              </a:ext>
+            </a:extLst>
+          </p:cNvPr>
+          <p:cNvPicPr>
+            <a:picLocks noChangeAspect="1"/>
+          </p:cNvPicPr>
+          <p:nvPr/>
+        </p:nvPicPr>
+        <p:blipFill rotWithShape="1">
+          <a:blip r:embed="rId3">
+            <a:extLst>
+              <a:ext uri="{28A0092B-C50C-407E-A947-70E740481C1C}">
+                <a14:useLocalDpi xmlns:a14="http://schemas.microsoft.com/office/drawing/2010/main" val="0"/>
+              </a:ext>
+            </a:extLst>
+          </a:blip>
+          <a:srcRect l="19402" r="21487"/>
+          <a:stretch/>
+        </p:blipFill>
+        <p:spPr>
+          <a:xfrm>
+            <a:off x="20" y="10"/>
+            <a:ext cx="6095980" cy="6857990"/>
+          </a:xfrm>
+          <a:prstGeom prst="rect">
+            <a:avLst/>
+          </a:prstGeom>
+        </p:spPr>
+      </p:pic>
       <p:sp>
         <p:nvSpPr>
           <p:cNvPr id="3" name="Tartalom helye 2"/>
@@ -6034,16 +6050,125 @@
             <p:ph idx="1"/>
           </p:nvPr>
         </p:nvSpPr>
-        <p:spPr/>
-        <p:txBody>
-          <a:bodyPr/>
-          <a:lstStyle/>
-          <a:p>
-            <a:r>
-              <a:rPr lang="hu-HU" dirty="0" smtClean="0"/>
+        <p:spPr>
+          <a:xfrm>
+            <a:off x="6513534" y="2096064"/>
+            <a:ext cx="4754022" cy="3695136"/>
+          </a:xfrm>
+        </p:spPr>
+        <p:txBody>
+          <a:bodyPr>
+            <a:normAutofit/>
+          </a:bodyPr>
+          <a:lstStyle/>
+          <a:p>
+            <a:r>
+              <a:rPr lang="hu-HU" sz="2400" dirty="0"/>
               <a:t>Vírusírtók</a:t>
             </a:r>
-            <a:endParaRPr lang="hu-HU" dirty="0"/>
+          </a:p>
+          <a:p>
+            <a:r>
+              <a:rPr lang="hu-HU" sz="2400" dirty="0"/>
+              <a:t>Tűzfal</a:t>
+            </a:r>
+          </a:p>
+        </p:txBody>
+      </p:sp>
+      <p:cxnSp>
+        <p:nvCxnSpPr>
+          <p:cNvPr id="10" name="Straight Connector 9">
+            <a:extLst>
+              <a:ext uri="{FF2B5EF4-FFF2-40B4-BE49-F238E27FC236}">
+                <a16:creationId xmlns:a16="http://schemas.microsoft.com/office/drawing/2014/main" id="{E0DCF65E-F84E-483D-83D7-A1616D569143}"/>
+              </a:ext>
+              <a:ext uri="{C183D7F6-B498-43B3-948B-1728B52AA6E4}">
+                <adec:decorative xmlns:adec="http://schemas.microsoft.com/office/drawing/2017/decorative" val="1"/>
+              </a:ext>
+            </a:extLst>
+          </p:cNvPr>
+          <p:cNvCxnSpPr>
+            <a:cxnSpLocks noGrp="1" noRot="1" noChangeAspect="1" noMove="1" noResize="1" noEditPoints="1" noAdjustHandles="1" noChangeArrowheads="1" noChangeShapeType="1"/>
+          </p:cNvCxnSpPr>
+          <p:nvPr>
+            <p:extLst>
+              <p:ext uri="{386F3935-93C4-4BCD-93E2-E3B085C9AB24}">
+                <p16:designElem xmlns:p16="http://schemas.microsoft.com/office/powerpoint/2015/main" val="1"/>
+              </p:ext>
+            </p:extLst>
+          </p:nvPr>
+        </p:nvCxnSpPr>
+        <p:spPr>
+          <a:xfrm>
+            <a:off x="6106560" y="45720"/>
+            <a:ext cx="0" cy="6766560"/>
+          </a:xfrm>
+          <a:prstGeom prst="line">
+            <a:avLst/>
+          </a:prstGeom>
+          <a:ln w="190500" cap="sq">
+            <a:solidFill>
+              <a:srgbClr val="FFFFFF"/>
+            </a:solidFill>
+            <a:miter lim="800000"/>
+          </a:ln>
+          <a:scene3d>
+            <a:camera prst="orthographicFront"/>
+            <a:lightRig rig="twoPt" dir="t">
+              <a:rot lat="0" lon="0" rev="7200000"/>
+            </a:lightRig>
+          </a:scene3d>
+          <a:sp3d>
+            <a:bevelT w="25400" h="19050"/>
+          </a:sp3d>
+        </p:spPr>
+        <p:style>
+          <a:lnRef idx="1">
+            <a:schemeClr val="accent1"/>
+          </a:lnRef>
+          <a:fillRef idx="0">
+            <a:schemeClr val="accent1"/>
+          </a:fillRef>
+          <a:effectRef idx="0">
+            <a:schemeClr val="accent1"/>
+          </a:effectRef>
+          <a:fontRef idx="minor">
+            <a:schemeClr val="tx1"/>
+          </a:fontRef>
+        </p:style>
+      </p:cxnSp>
+      <p:sp>
+        <p:nvSpPr>
+          <p:cNvPr id="6" name="Szövegdoboz 5">
+            <a:extLst>
+              <a:ext uri="{FF2B5EF4-FFF2-40B4-BE49-F238E27FC236}">
+                <a16:creationId xmlns:a16="http://schemas.microsoft.com/office/drawing/2014/main" id="{C39880E0-C43A-D53F-D964-E57BA3BE0D82}"/>
+              </a:ext>
+            </a:extLst>
+          </p:cNvPr>
+          <p:cNvSpPr txBox="1"/>
+          <p:nvPr/>
+        </p:nvSpPr>
+        <p:spPr>
+          <a:xfrm>
+            <a:off x="-10540" y="6611769"/>
+            <a:ext cx="5981350" cy="246221"/>
+          </a:xfrm>
+          <a:prstGeom prst="rect">
+            <a:avLst/>
+          </a:prstGeom>
+          <a:noFill/>
+        </p:spPr>
+        <p:txBody>
+          <a:bodyPr wrap="square" rtlCol="0">
+            <a:spAutoFit/>
+          </a:bodyPr>
+          <a:lstStyle/>
+          <a:p>
+            <a:r>
+              <a:rPr lang="hu-HU" sz="1000" dirty="0"/>
+              <a:t>https://www.pcworld.com/article/398720/best-free-antivirus.html</a:t>
+            </a:r>
           </a:p>
         </p:txBody>
       </p:sp>
@@ -6057,19 +6182,34 @@
   <p:clrMapOvr>
     <a:masterClrMapping/>
   </p:clrMapOvr>
-  <p:timing>
-    <p:tnLst>
-      <p:par>
-        <p:cTn id="1" dur="indefinite" restart="never" nodeType="tmRoot"/>
-      </p:par>
-    </p:tnLst>
-  </p:timing>
 </p:sld>
 </file>
 
 <file path=ppt/slides/slide4.xml><?xml version="1.0" encoding="utf-8"?>
 <p:sld xmlns:a="http://schemas.openxmlformats.org/drawingml/2006/main" xmlns:r="http://schemas.openxmlformats.org/officeDocument/2006/relationships" xmlns:p="http://schemas.openxmlformats.org/presentationml/2006/main">
   <p:cSld>
+    <p:bg>
+      <p:bgPr>
+        <a:blipFill rotWithShape="1">
+          <a:blip r:embed="rId2">
+            <a:duotone>
+              <a:schemeClr val="bg2">
+                <a:shade val="18000"/>
+                <a:satMod val="160000"/>
+                <a:lumMod val="28000"/>
+              </a:schemeClr>
+              <a:schemeClr val="bg2">
+                <a:tint val="95000"/>
+                <a:satMod val="160000"/>
+                <a:lumMod val="116000"/>
+              </a:schemeClr>
+            </a:duotone>
+          </a:blip>
+          <a:stretch/>
+        </a:blipFill>
+        <a:effectLst/>
+      </p:bgPr>
+    </p:bg>
     <p:spTree>
       <p:nvGrpSpPr>
         <p:cNvPr id="1" name=""/>
@@ -6094,16 +6234,22 @@
             <p:ph type="title"/>
           </p:nvPr>
         </p:nvSpPr>
-        <p:spPr/>
-        <p:txBody>
-          <a:bodyPr/>
-          <a:lstStyle/>
-          <a:p>
-            <a:r>
-              <a:rPr lang="hu-HU" dirty="0" smtClean="0"/>
+        <p:spPr>
+          <a:xfrm>
+            <a:off x="913795" y="609600"/>
+            <a:ext cx="10353761" cy="1326321"/>
+          </a:xfrm>
+        </p:spPr>
+        <p:txBody>
+          <a:bodyPr>
+            <a:normAutofit/>
+          </a:bodyPr>
+          <a:lstStyle/>
+          <a:p>
+            <a:r>
+              <a:rPr lang="hu-HU" dirty="0"/>
               <a:t>Vírusírtók</a:t>
             </a:r>
-            <a:endParaRPr lang="hu-HU" dirty="0"/>
           </a:p>
         </p:txBody>
       </p:sp>
@@ -6117,9 +6263,16 @@
             <p:ph idx="1"/>
           </p:nvPr>
         </p:nvSpPr>
-        <p:spPr/>
-        <p:txBody>
-          <a:bodyPr/>
+        <p:spPr>
+          <a:xfrm>
+            <a:off x="913795" y="2096064"/>
+            <a:ext cx="5016860" cy="3695136"/>
+          </a:xfrm>
+        </p:spPr>
+        <p:txBody>
+          <a:bodyPr>
+            <a:normAutofit/>
+          </a:bodyPr>
           <a:lstStyle/>
           <a:p>
             <a:r>
@@ -6129,7 +6282,7 @@
               <a:t> </a:t>
             </a:r>
             <a:r>
-              <a:rPr lang="hu-HU" b="1" dirty="0" smtClean="0">
+              <a:rPr lang="hu-HU" b="1" dirty="0">
                 <a:effectLst/>
               </a:rPr>
               <a:t>Vírusirtó = Antivírus program</a:t>
@@ -6137,7 +6290,7 @@
           </a:p>
           <a:p>
             <a:r>
-              <a:rPr lang="hu-HU" b="1" dirty="0" smtClean="0">
+              <a:rPr lang="hu-HU" b="1" dirty="0">
                 <a:effectLst/>
               </a:rPr>
               <a:t>Ellenfelei</a:t>
@@ -6145,7 +6298,7 @@
           </a:p>
           <a:p>
             <a:r>
-              <a:rPr lang="hu-HU" b="1" dirty="0" smtClean="0">
+              <a:rPr lang="hu-HU" b="1" dirty="0">
                 <a:effectLst/>
               </a:rPr>
               <a:t>Két fajta alapelv:  Reaktív és heurisztikus</a:t>
@@ -6153,6 +6306,99 @@
           </a:p>
           <a:p>
             <a:endParaRPr lang="hu-HU" dirty="0"/>
+          </a:p>
+        </p:txBody>
+      </p:sp>
+      <p:pic>
+        <p:nvPicPr>
+          <p:cNvPr id="5" name="Kép 4">
+            <a:extLst>
+              <a:ext uri="{FF2B5EF4-FFF2-40B4-BE49-F238E27FC236}">
+                <a16:creationId xmlns:a16="http://schemas.microsoft.com/office/drawing/2014/main" id="{ED5B375E-9F4B-BD13-3CE1-8DAA8E293091}"/>
+              </a:ext>
+            </a:extLst>
+          </p:cNvPr>
+          <p:cNvPicPr>
+            <a:picLocks noChangeAspect="1"/>
+          </p:cNvPicPr>
+          <p:nvPr/>
+        </p:nvPicPr>
+        <p:blipFill>
+          <a:blip r:embed="rId3">
+            <a:extLst>
+              <a:ext uri="{28A0092B-C50C-407E-A947-70E740481C1C}">
+                <a14:useLocalDpi xmlns:a14="http://schemas.microsoft.com/office/drawing/2010/main" val="0"/>
+              </a:ext>
+            </a:extLst>
+          </a:blip>
+          <a:stretch>
+            <a:fillRect/>
+          </a:stretch>
+        </p:blipFill>
+        <p:spPr>
+          <a:xfrm>
+            <a:off x="6357257" y="2290051"/>
+            <a:ext cx="4833257" cy="3334947"/>
+          </a:xfrm>
+          <a:prstGeom prst="rect">
+            <a:avLst/>
+          </a:prstGeom>
+          <a:ln w="190500" cap="sq">
+            <a:solidFill>
+              <a:srgbClr val="FFFFFF"/>
+            </a:solidFill>
+            <a:miter lim="800000"/>
+          </a:ln>
+          <a:effectLst>
+            <a:outerShdw blurRad="54991" dist="17780" dir="5400000" algn="ctr" rotWithShape="0">
+              <a:schemeClr val="bg1">
+                <a:alpha val="40000"/>
+              </a:schemeClr>
+            </a:outerShdw>
+          </a:effectLst>
+          <a:scene3d>
+            <a:camera prst="orthographicFront"/>
+            <a:lightRig rig="twoPt" dir="t">
+              <a:rot lat="0" lon="0" rev="7200000"/>
+            </a:lightRig>
+          </a:scene3d>
+          <a:sp3d>
+            <a:bevelT w="25400" h="19050"/>
+          </a:sp3d>
+        </p:spPr>
+      </p:pic>
+      <p:sp>
+        <p:nvSpPr>
+          <p:cNvPr id="6" name="Szövegdoboz 5">
+            <a:extLst>
+              <a:ext uri="{FF2B5EF4-FFF2-40B4-BE49-F238E27FC236}">
+                <a16:creationId xmlns:a16="http://schemas.microsoft.com/office/drawing/2014/main" id="{6DAB6E2D-6DCA-AD78-0F52-4EB1D47BF2C9}"/>
+              </a:ext>
+            </a:extLst>
+          </p:cNvPr>
+          <p:cNvSpPr txBox="1"/>
+          <p:nvPr/>
+        </p:nvSpPr>
+        <p:spPr>
+          <a:xfrm>
+            <a:off x="6264613" y="5744092"/>
+            <a:ext cx="5013592" cy="246221"/>
+          </a:xfrm>
+          <a:prstGeom prst="rect">
+            <a:avLst/>
+          </a:prstGeom>
+          <a:noFill/>
+        </p:spPr>
+        <p:txBody>
+          <a:bodyPr wrap="square" rtlCol="0">
+            <a:spAutoFit/>
+          </a:bodyPr>
+          <a:lstStyle/>
+          <a:p>
+            <a:r>
+              <a:rPr lang="hu-HU" sz="1000" dirty="0"/>
+              <a:t>https://www.eset.com/hu/otthoni/antivirus/</a:t>
+            </a:r>
           </a:p>
         </p:txBody>
       </p:sp>
@@ -6166,13 +6412,6 @@
   <p:clrMapOvr>
     <a:masterClrMapping/>
   </p:clrMapOvr>
-  <p:timing>
-    <p:tnLst>
-      <p:par>
-        <p:cTn id="1" dur="indefinite" restart="never" nodeType="tmRoot"/>
-      </p:par>
-    </p:tnLst>
-  </p:timing>
 </p:sld>
 </file>
 
@@ -6209,10 +6448,9 @@
           <a:lstStyle/>
           <a:p>
             <a:r>
-              <a:rPr lang="hu-HU" dirty="0" smtClean="0"/>
-              <a:t>Kártevők</a:t>
-            </a:r>
-            <a:endParaRPr lang="hu-HU" dirty="0"/>
+              <a:rPr lang="hu-HU" dirty="0"/>
+              <a:t>Tűzfal</a:t>
+            </a:r>
           </a:p>
         </p:txBody>
       </p:sp>
@@ -6232,42 +6470,139 @@
           <a:lstStyle/>
           <a:p>
             <a:r>
-              <a:rPr lang="hu-HU" dirty="0" smtClean="0"/>
-              <a:t>Trójai programok</a:t>
-            </a:r>
-          </a:p>
-          <a:p>
-            <a:r>
-              <a:rPr lang="hu-HU" dirty="0" smtClean="0"/>
-              <a:t>Számítógépes vírusok</a:t>
-            </a:r>
-            <a:endParaRPr lang="hu-HU" dirty="0"/>
+              <a:rPr lang="hu-HU" dirty="0"/>
+              <a:t>Szoftveres: proxyszűrő</a:t>
+            </a:r>
+          </a:p>
+          <a:p>
+            <a:r>
+              <a:rPr lang="hu-HU" dirty="0"/>
+              <a:t>Hardveres: router, proxy</a:t>
+            </a:r>
+          </a:p>
+          <a:p>
+            <a:r>
+              <a:rPr lang="hu-HU" dirty="0"/>
+              <a:t>Felügyelő</a:t>
+            </a:r>
+          </a:p>
+          <a:p>
+            <a:r>
+              <a:rPr lang="hu-HU" dirty="0"/>
+              <a:t>Akadály</a:t>
+            </a:r>
+          </a:p>
+        </p:txBody>
+      </p:sp>
+      <p:pic>
+        <p:nvPicPr>
+          <p:cNvPr id="5" name="Kép 4">
+            <a:extLst>
+              <a:ext uri="{FF2B5EF4-FFF2-40B4-BE49-F238E27FC236}">
+                <a16:creationId xmlns:a16="http://schemas.microsoft.com/office/drawing/2014/main" id="{3D8877A4-5D52-2904-81C3-272808785FC3}"/>
+              </a:ext>
+            </a:extLst>
+          </p:cNvPr>
+          <p:cNvPicPr>
+            <a:picLocks noChangeAspect="1"/>
+          </p:cNvPicPr>
+          <p:nvPr/>
+        </p:nvPicPr>
+        <p:blipFill>
+          <a:blip r:embed="rId2">
+            <a:extLst>
+              <a:ext uri="{28A0092B-C50C-407E-A947-70E740481C1C}">
+                <a14:useLocalDpi xmlns:a14="http://schemas.microsoft.com/office/drawing/2010/main" val="0"/>
+              </a:ext>
+            </a:extLst>
+          </a:blip>
+          <a:stretch>
+            <a:fillRect/>
+          </a:stretch>
+        </p:blipFill>
+        <p:spPr>
+          <a:xfrm>
+            <a:off x="7075971" y="2276314"/>
+            <a:ext cx="4191585" cy="2305372"/>
+          </a:xfrm>
+          <a:prstGeom prst="rect">
+            <a:avLst/>
+          </a:prstGeom>
+        </p:spPr>
+      </p:pic>
+      <p:sp>
+        <p:nvSpPr>
+          <p:cNvPr id="6" name="Szövegdoboz 5">
+            <a:extLst>
+              <a:ext uri="{FF2B5EF4-FFF2-40B4-BE49-F238E27FC236}">
+                <a16:creationId xmlns:a16="http://schemas.microsoft.com/office/drawing/2014/main" id="{9814358B-8AA3-E0E4-1562-1B171B6FC7FB}"/>
+              </a:ext>
+            </a:extLst>
+          </p:cNvPr>
+          <p:cNvSpPr txBox="1"/>
+          <p:nvPr/>
+        </p:nvSpPr>
+        <p:spPr>
+          <a:xfrm>
+            <a:off x="7075971" y="4484451"/>
+            <a:ext cx="4191585" cy="369332"/>
+          </a:xfrm>
+          <a:prstGeom prst="rect">
+            <a:avLst/>
+          </a:prstGeom>
+          <a:noFill/>
+        </p:spPr>
+        <p:txBody>
+          <a:bodyPr wrap="square" rtlCol="0">
+            <a:spAutoFit/>
+          </a:bodyPr>
+          <a:lstStyle/>
+          <a:p>
+            <a:r>
+              <a:rPr lang="hu-HU" sz="900" dirty="0"/>
+              <a:t>https://www.wikiwand.com/hu/T%C5%B1zfal_%28sz%C3%A1m%C3%ADt%C3%A1stechnika%29</a:t>
+            </a:r>
           </a:p>
         </p:txBody>
       </p:sp>
     </p:spTree>
     <p:extLst>
       <p:ext uri="{BB962C8B-B14F-4D97-AF65-F5344CB8AC3E}">
-        <p14:creationId xmlns:p14="http://schemas.microsoft.com/office/powerpoint/2010/main" val="2735052686"/>
+        <p14:creationId xmlns:p14="http://schemas.microsoft.com/office/powerpoint/2010/main" val="4083332724"/>
       </p:ext>
     </p:extLst>
   </p:cSld>
   <p:clrMapOvr>
     <a:masterClrMapping/>
   </p:clrMapOvr>
-  <p:timing>
-    <p:tnLst>
-      <p:par>
-        <p:cTn id="1" dur="indefinite" restart="never" nodeType="tmRoot"/>
-      </p:par>
-    </p:tnLst>
-  </p:timing>
 </p:sld>
 </file>
 
 <file path=ppt/slides/slide6.xml><?xml version="1.0" encoding="utf-8"?>
 <p:sld xmlns:a="http://schemas.openxmlformats.org/drawingml/2006/main" xmlns:r="http://schemas.openxmlformats.org/officeDocument/2006/relationships" xmlns:p="http://schemas.openxmlformats.org/presentationml/2006/main">
   <p:cSld>
+    <p:bg>
+      <p:bgPr>
+        <a:blipFill rotWithShape="1">
+          <a:blip r:embed="rId2">
+            <a:duotone>
+              <a:schemeClr val="bg2">
+                <a:shade val="18000"/>
+                <a:satMod val="160000"/>
+                <a:lumMod val="28000"/>
+              </a:schemeClr>
+              <a:schemeClr val="bg2">
+                <a:tint val="95000"/>
+                <a:satMod val="160000"/>
+                <a:lumMod val="116000"/>
+              </a:schemeClr>
+            </a:duotone>
+          </a:blip>
+          <a:stretch/>
+        </a:blipFill>
+        <a:effectLst/>
+      </p:bgPr>
+    </p:bg>
     <p:spTree>
       <p:nvGrpSpPr>
         <p:cNvPr id="1" name=""/>
@@ -6292,12 +6627,23 @@
             <p:ph type="title"/>
           </p:nvPr>
         </p:nvSpPr>
-        <p:spPr/>
-        <p:txBody>
-          <a:bodyPr/>
-          <a:lstStyle/>
-          <a:p>
-            <a:endParaRPr lang="hu-HU"/>
+        <p:spPr>
+          <a:xfrm>
+            <a:off x="913795" y="609600"/>
+            <a:ext cx="10353761" cy="1326321"/>
+          </a:xfrm>
+        </p:spPr>
+        <p:txBody>
+          <a:bodyPr>
+            <a:normAutofit/>
+          </a:bodyPr>
+          <a:lstStyle/>
+          <a:p>
+            <a:r>
+              <a:rPr lang="hu-HU"/>
+              <a:t>Kártevők</a:t>
+            </a:r>
+            <a:endParaRPr lang="hu-HU" dirty="0"/>
           </a:p>
         </p:txBody>
       </p:sp>
@@ -6311,32 +6657,140 @@
             <p:ph idx="1"/>
           </p:nvPr>
         </p:nvSpPr>
-        <p:spPr/>
-        <p:txBody>
-          <a:bodyPr/>
-          <a:lstStyle/>
-          <a:p>
-            <a:endParaRPr lang="hu-HU"/>
+        <p:spPr>
+          <a:xfrm>
+            <a:off x="913795" y="2096064"/>
+            <a:ext cx="5016860" cy="3695136"/>
+          </a:xfrm>
+        </p:spPr>
+        <p:txBody>
+          <a:bodyPr>
+            <a:normAutofit/>
+          </a:bodyPr>
+          <a:lstStyle/>
+          <a:p>
+            <a:r>
+              <a:rPr lang="hu-HU" dirty="0"/>
+              <a:t>Trójai programok</a:t>
+            </a:r>
+          </a:p>
+          <a:p>
+            <a:r>
+              <a:rPr lang="hu-HU" dirty="0"/>
+              <a:t>Számítógépes vírusok</a:t>
+            </a:r>
+          </a:p>
+          <a:p>
+            <a:r>
+              <a:rPr lang="hu-HU" dirty="0"/>
+              <a:t>Férgek</a:t>
+            </a:r>
+          </a:p>
+        </p:txBody>
+      </p:sp>
+      <p:pic>
+        <p:nvPicPr>
+          <p:cNvPr id="8" name="Kép 7" descr="A képen elektronika, számítógép, megjelenítés látható&#10;&#10;Automatikusan generált leírás">
+            <a:extLst>
+              <a:ext uri="{FF2B5EF4-FFF2-40B4-BE49-F238E27FC236}">
+                <a16:creationId xmlns:a16="http://schemas.microsoft.com/office/drawing/2014/main" id="{7D6674FF-1160-1C84-B988-825D23E3BCF1}"/>
+              </a:ext>
+            </a:extLst>
+          </p:cNvPr>
+          <p:cNvPicPr>
+            <a:picLocks noChangeAspect="1"/>
+          </p:cNvPicPr>
+          <p:nvPr/>
+        </p:nvPicPr>
+        <p:blipFill>
+          <a:blip r:embed="rId3">
+            <a:extLst>
+              <a:ext uri="{28A0092B-C50C-407E-A947-70E740481C1C}">
+                <a14:useLocalDpi xmlns:a14="http://schemas.microsoft.com/office/drawing/2010/main" val="0"/>
+              </a:ext>
+            </a:extLst>
+          </a:blip>
+          <a:stretch>
+            <a:fillRect/>
+          </a:stretch>
+        </p:blipFill>
+        <p:spPr>
+          <a:xfrm>
+            <a:off x="6357257" y="2543798"/>
+            <a:ext cx="4833257" cy="2827454"/>
+          </a:xfrm>
+          <a:prstGeom prst="rect">
+            <a:avLst/>
+          </a:prstGeom>
+          <a:ln w="190500" cap="sq">
+            <a:solidFill>
+              <a:srgbClr val="FFFFFF"/>
+            </a:solidFill>
+            <a:miter lim="800000"/>
+          </a:ln>
+          <a:effectLst>
+            <a:outerShdw blurRad="54991" dist="17780" dir="5400000" algn="ctr" rotWithShape="0">
+              <a:schemeClr val="bg1">
+                <a:alpha val="40000"/>
+              </a:schemeClr>
+            </a:outerShdw>
+          </a:effectLst>
+          <a:scene3d>
+            <a:camera prst="orthographicFront"/>
+            <a:lightRig rig="twoPt" dir="t">
+              <a:rot lat="0" lon="0" rev="7200000"/>
+            </a:lightRig>
+          </a:scene3d>
+          <a:sp3d>
+            <a:bevelT w="25400" h="19050"/>
+          </a:sp3d>
+        </p:spPr>
+      </p:pic>
+      <p:sp>
+        <p:nvSpPr>
+          <p:cNvPr id="9" name="Szövegdoboz 8">
+            <a:extLst>
+              <a:ext uri="{FF2B5EF4-FFF2-40B4-BE49-F238E27FC236}">
+                <a16:creationId xmlns:a16="http://schemas.microsoft.com/office/drawing/2014/main" id="{9EDCF197-9F9D-F2AF-1ACA-FD29C58355D3}"/>
+              </a:ext>
+            </a:extLst>
+          </p:cNvPr>
+          <p:cNvSpPr txBox="1"/>
+          <p:nvPr/>
+        </p:nvSpPr>
+        <p:spPr>
+          <a:xfrm>
+            <a:off x="6245157" y="5476672"/>
+            <a:ext cx="5016860" cy="369332"/>
+          </a:xfrm>
+          <a:prstGeom prst="rect">
+            <a:avLst/>
+          </a:prstGeom>
+          <a:noFill/>
+        </p:spPr>
+        <p:txBody>
+          <a:bodyPr wrap="square" rtlCol="0">
+            <a:spAutoFit/>
+          </a:bodyPr>
+          <a:lstStyle/>
+          <a:p>
+            <a:r>
+              <a:rPr lang="hu-HU" sz="900" dirty="0"/>
+              <a:t>https://computermania.hu/szamitogepes-virusok-eltavolitasa-ingyenes-kiszallassal-budapesten/</a:t>
+            </a:r>
           </a:p>
         </p:txBody>
       </p:sp>
     </p:spTree>
     <p:extLst>
       <p:ext uri="{BB962C8B-B14F-4D97-AF65-F5344CB8AC3E}">
-        <p14:creationId xmlns:p14="http://schemas.microsoft.com/office/powerpoint/2010/main" val="4083332724"/>
+        <p14:creationId xmlns:p14="http://schemas.microsoft.com/office/powerpoint/2010/main" val="2735052686"/>
       </p:ext>
     </p:extLst>
   </p:cSld>
   <p:clrMapOvr>
     <a:masterClrMapping/>
   </p:clrMapOvr>
-  <p:timing>
-    <p:tnLst>
-      <p:par>
-        <p:cTn id="1" dur="indefinite" restart="never" nodeType="tmRoot"/>
-      </p:par>
-    </p:tnLst>
-  </p:timing>
 </p:sld>
 </file>
 
@@ -6372,26 +6826,152 @@
           <a:bodyPr/>
           <a:lstStyle/>
           <a:p>
-            <a:endParaRPr lang="hu-HU"/>
-          </a:p>
-        </p:txBody>
-      </p:sp>
-      <p:sp>
-        <p:nvSpPr>
-          <p:cNvPr id="3" name="Tartalom helye 2"/>
-          <p:cNvSpPr>
-            <a:spLocks noGrp="1"/>
-          </p:cNvSpPr>
+            <a:r>
+              <a:rPr lang="hu-HU" dirty="0"/>
+              <a:t>Trójai programok</a:t>
+            </a:r>
+          </a:p>
+        </p:txBody>
+      </p:sp>
+      <p:pic>
+        <p:nvPicPr>
+          <p:cNvPr id="6" name="Tartalom helye 5" descr="A képen nyíl látható&#10;&#10;Automatikusan generált leírás">
+            <a:extLst>
+              <a:ext uri="{FF2B5EF4-FFF2-40B4-BE49-F238E27FC236}">
+                <a16:creationId xmlns:a16="http://schemas.microsoft.com/office/drawing/2014/main" id="{CEBA24D2-9D87-2012-FABA-8531CE7E927E}"/>
+              </a:ext>
+            </a:extLst>
+          </p:cNvPr>
+          <p:cNvPicPr>
+            <a:picLocks noGrp="1" noChangeAspect="1"/>
+          </p:cNvPicPr>
           <p:nvPr>
             <p:ph idx="1"/>
           </p:nvPr>
-        </p:nvSpPr>
-        <p:spPr/>
-        <p:txBody>
-          <a:bodyPr/>
-          <a:lstStyle/>
-          <a:p>
-            <a:endParaRPr lang="hu-HU"/>
+        </p:nvPicPr>
+        <p:blipFill>
+          <a:blip r:embed="rId2">
+            <a:extLst>
+              <a:ext uri="{28A0092B-C50C-407E-A947-70E740481C1C}">
+                <a14:useLocalDpi xmlns:a14="http://schemas.microsoft.com/office/drawing/2010/main" val="0"/>
+              </a:ext>
+            </a:extLst>
+          </a:blip>
+          <a:stretch>
+            <a:fillRect/>
+          </a:stretch>
+        </p:blipFill>
+        <p:spPr>
+          <a:xfrm>
+            <a:off x="6955811" y="2244151"/>
+            <a:ext cx="4098175" cy="2635135"/>
+          </a:xfrm>
+        </p:spPr>
+      </p:pic>
+      <p:sp>
+        <p:nvSpPr>
+          <p:cNvPr id="4" name="Szövegdoboz 3">
+            <a:extLst>
+              <a:ext uri="{FF2B5EF4-FFF2-40B4-BE49-F238E27FC236}">
+                <a16:creationId xmlns:a16="http://schemas.microsoft.com/office/drawing/2014/main" id="{FC262FD4-F3B9-0779-2895-468C4DD2BDC9}"/>
+              </a:ext>
+            </a:extLst>
+          </p:cNvPr>
+          <p:cNvSpPr txBox="1"/>
+          <p:nvPr/>
+        </p:nvSpPr>
+        <p:spPr>
+          <a:xfrm>
+            <a:off x="6955811" y="4879286"/>
+            <a:ext cx="3942826" cy="507831"/>
+          </a:xfrm>
+          <a:prstGeom prst="rect">
+            <a:avLst/>
+          </a:prstGeom>
+          <a:noFill/>
+        </p:spPr>
+        <p:txBody>
+          <a:bodyPr wrap="square" rtlCol="0">
+            <a:spAutoFit/>
+          </a:bodyPr>
+          <a:lstStyle/>
+          <a:p>
+            <a:r>
+              <a:rPr lang="hu-HU" sz="900" dirty="0"/>
+              <a:t>https://vasarnap.hu/2020/10/13/az-internet-sotet-lova-a-trojai-falo/</a:t>
+            </a:r>
+          </a:p>
+          <a:p>
+            <a:endParaRPr lang="hu-HU" dirty="0"/>
+          </a:p>
+        </p:txBody>
+      </p:sp>
+      <p:sp>
+        <p:nvSpPr>
+          <p:cNvPr id="7" name="Szövegdoboz 6">
+            <a:extLst>
+              <a:ext uri="{FF2B5EF4-FFF2-40B4-BE49-F238E27FC236}">
+                <a16:creationId xmlns:a16="http://schemas.microsoft.com/office/drawing/2014/main" id="{79551505-886D-8610-3116-1A2659268FF1}"/>
+              </a:ext>
+            </a:extLst>
+          </p:cNvPr>
+          <p:cNvSpPr txBox="1"/>
+          <p:nvPr/>
+        </p:nvSpPr>
+        <p:spPr>
+          <a:xfrm>
+            <a:off x="913795" y="2086923"/>
+            <a:ext cx="4672668" cy="1938992"/>
+          </a:xfrm>
+          <a:prstGeom prst="rect">
+            <a:avLst/>
+          </a:prstGeom>
+          <a:noFill/>
+        </p:spPr>
+        <p:txBody>
+          <a:bodyPr wrap="square" rtlCol="0">
+            <a:spAutoFit/>
+          </a:bodyPr>
+          <a:lstStyle/>
+          <a:p>
+            <a:pPr marL="285750" indent="-285750">
+              <a:buFont typeface="Arial" panose="020B0604020202020204" pitchFamily="34" charset="0"/>
+              <a:buChar char="•"/>
+            </a:pPr>
+            <a:r>
+              <a:rPr lang="hu-HU" sz="2400" dirty="0"/>
+              <a:t>Elnevezés</a:t>
+            </a:r>
+          </a:p>
+          <a:p>
+            <a:endParaRPr lang="hu-HU" sz="2400" dirty="0"/>
+          </a:p>
+          <a:p>
+            <a:pPr marL="285750" indent="-285750">
+              <a:buFont typeface="Arial" panose="020B0604020202020204" pitchFamily="34" charset="0"/>
+              <a:buChar char="•"/>
+            </a:pPr>
+            <a:r>
+              <a:rPr lang="hu-HU" sz="2400" dirty="0"/>
+              <a:t>Tulajdonságai</a:t>
+            </a:r>
+          </a:p>
+          <a:p>
+            <a:pPr marL="285750" indent="-285750">
+              <a:buFont typeface="Arial" panose="020B0604020202020204" pitchFamily="34" charset="0"/>
+              <a:buChar char="•"/>
+            </a:pPr>
+            <a:endParaRPr lang="hu-HU" sz="2400" dirty="0"/>
+          </a:p>
+          <a:p>
+            <a:pPr marL="285750" indent="-285750">
+              <a:buFont typeface="Arial" panose="020B0604020202020204" pitchFamily="34" charset="0"/>
+              <a:buChar char="•"/>
+            </a:pPr>
+            <a:r>
+              <a:rPr lang="hu-HU" sz="2400" dirty="0"/>
+              <a:t>Hátsó kapu</a:t>
+            </a:r>
           </a:p>
         </p:txBody>
       </p:sp>
@@ -6405,19 +6985,34 @@
   <p:clrMapOvr>
     <a:masterClrMapping/>
   </p:clrMapOvr>
-  <p:timing>
-    <p:tnLst>
-      <p:par>
-        <p:cTn id="1" dur="indefinite" restart="never" nodeType="tmRoot"/>
-      </p:par>
-    </p:tnLst>
-  </p:timing>
 </p:sld>
 </file>
 
 <file path=ppt/slides/slide8.xml><?xml version="1.0" encoding="utf-8"?>
 <p:sld xmlns:a="http://schemas.openxmlformats.org/drawingml/2006/main" xmlns:r="http://schemas.openxmlformats.org/officeDocument/2006/relationships" xmlns:p="http://schemas.openxmlformats.org/presentationml/2006/main">
   <p:cSld>
+    <p:bg>
+      <p:bgPr>
+        <a:blipFill rotWithShape="1">
+          <a:blip r:embed="rId2">
+            <a:duotone>
+              <a:schemeClr val="bg2">
+                <a:shade val="18000"/>
+                <a:satMod val="160000"/>
+                <a:lumMod val="28000"/>
+              </a:schemeClr>
+              <a:schemeClr val="bg2">
+                <a:tint val="95000"/>
+                <a:satMod val="160000"/>
+                <a:lumMod val="116000"/>
+              </a:schemeClr>
+            </a:duotone>
+          </a:blip>
+          <a:stretch/>
+        </a:blipFill>
+        <a:effectLst/>
+      </p:bgPr>
+    </p:bg>
     <p:spTree>
       <p:nvGrpSpPr>
         <p:cNvPr id="1" name=""/>
@@ -6442,15 +7037,61 @@
             <p:ph type="title"/>
           </p:nvPr>
         </p:nvSpPr>
-        <p:spPr/>
-        <p:txBody>
-          <a:bodyPr/>
-          <a:lstStyle/>
-          <a:p>
-            <a:endParaRPr lang="hu-HU"/>
-          </a:p>
-        </p:txBody>
-      </p:sp>
+        <p:spPr>
+          <a:xfrm>
+            <a:off x="8154444" y="609600"/>
+            <a:ext cx="3113112" cy="1326321"/>
+          </a:xfrm>
+        </p:spPr>
+        <p:txBody>
+          <a:bodyPr>
+            <a:normAutofit/>
+          </a:bodyPr>
+          <a:lstStyle/>
+          <a:p>
+            <a:pPr algn="l"/>
+            <a:r>
+              <a:rPr lang="hu-HU" sz="2600"/>
+              <a:t>Számítógépes vírusok</a:t>
+            </a:r>
+          </a:p>
+        </p:txBody>
+      </p:sp>
+      <p:pic>
+        <p:nvPicPr>
+          <p:cNvPr id="7" name="Kép 6" descr="A képen szöveg látható&#10;&#10;Automatikusan generált leírás">
+            <a:extLst>
+              <a:ext uri="{FF2B5EF4-FFF2-40B4-BE49-F238E27FC236}">
+                <a16:creationId xmlns:a16="http://schemas.microsoft.com/office/drawing/2014/main" id="{C3DD1CB3-C7C5-2B1A-7B35-8F843DCC797A}"/>
+              </a:ext>
+            </a:extLst>
+          </p:cNvPr>
+          <p:cNvPicPr>
+            <a:picLocks noChangeAspect="1"/>
+          </p:cNvPicPr>
+          <p:nvPr/>
+        </p:nvPicPr>
+        <p:blipFill rotWithShape="1">
+          <a:blip r:embed="rId3">
+            <a:extLst>
+              <a:ext uri="{28A0092B-C50C-407E-A947-70E740481C1C}">
+                <a14:useLocalDpi xmlns:a14="http://schemas.microsoft.com/office/drawing/2010/main" val="0"/>
+              </a:ext>
+            </a:extLst>
+          </a:blip>
+          <a:srcRect l="17158" r="21167"/>
+          <a:stretch/>
+        </p:blipFill>
+        <p:spPr>
+          <a:xfrm>
+            <a:off x="20" y="10"/>
+            <a:ext cx="7552924" cy="6857990"/>
+          </a:xfrm>
+          <a:prstGeom prst="rect">
+            <a:avLst/>
+          </a:prstGeom>
+        </p:spPr>
+      </p:pic>
       <p:sp>
         <p:nvSpPr>
           <p:cNvPr id="3" name="Tartalom helye 2"/>
@@ -6461,12 +7102,134 @@
             <p:ph idx="1"/>
           </p:nvPr>
         </p:nvSpPr>
-        <p:spPr/>
-        <p:txBody>
-          <a:bodyPr/>
-          <a:lstStyle/>
-          <a:p>
-            <a:endParaRPr lang="hu-HU"/>
+        <p:spPr>
+          <a:xfrm>
+            <a:off x="8154444" y="2096064"/>
+            <a:ext cx="3113112" cy="3695136"/>
+          </a:xfrm>
+        </p:spPr>
+        <p:txBody>
+          <a:bodyPr>
+            <a:normAutofit/>
+          </a:bodyPr>
+          <a:lstStyle/>
+          <a:p>
+            <a:r>
+              <a:rPr lang="hu-HU" sz="2400" dirty="0"/>
+              <a:t>Másolat</a:t>
+            </a:r>
+          </a:p>
+          <a:p>
+            <a:r>
+              <a:rPr lang="hu-HU" sz="2400" dirty="0"/>
+              <a:t>Terjedés</a:t>
+            </a:r>
+          </a:p>
+          <a:p>
+            <a:r>
+              <a:rPr lang="hu-HU" sz="2400" dirty="0"/>
+              <a:t>Fajtái</a:t>
+            </a:r>
+          </a:p>
+          <a:p>
+            <a:endParaRPr lang="hu-HU" sz="1800" dirty="0"/>
+          </a:p>
+        </p:txBody>
+      </p:sp>
+      <p:cxnSp>
+        <p:nvCxnSpPr>
+          <p:cNvPr id="12" name="Straight Connector 11">
+            <a:extLst>
+              <a:ext uri="{FF2B5EF4-FFF2-40B4-BE49-F238E27FC236}">
+                <a16:creationId xmlns:a16="http://schemas.microsoft.com/office/drawing/2014/main" id="{A4F35239-EB86-4ACB-91DE-4989620C2C1A}"/>
+              </a:ext>
+              <a:ext uri="{C183D7F6-B498-43B3-948B-1728B52AA6E4}">
+                <adec:decorative xmlns:adec="http://schemas.microsoft.com/office/drawing/2017/decorative" val="1"/>
+              </a:ext>
+            </a:extLst>
+          </p:cNvPr>
+          <p:cNvCxnSpPr>
+            <a:cxnSpLocks noGrp="1" noRot="1" noChangeAspect="1" noMove="1" noResize="1" noEditPoints="1" noAdjustHandles="1" noChangeArrowheads="1" noChangeShapeType="1"/>
+          </p:cNvCxnSpPr>
+          <p:nvPr>
+            <p:extLst>
+              <p:ext uri="{386F3935-93C4-4BCD-93E2-E3B085C9AB24}">
+                <p16:designElem xmlns:p16="http://schemas.microsoft.com/office/powerpoint/2015/main" val="1"/>
+              </p:ext>
+            </p:extLst>
+          </p:nvPr>
+        </p:nvCxnSpPr>
+        <p:spPr>
+          <a:xfrm>
+            <a:off x="7592090" y="45720"/>
+            <a:ext cx="0" cy="6766560"/>
+          </a:xfrm>
+          <a:prstGeom prst="line">
+            <a:avLst/>
+          </a:prstGeom>
+          <a:ln w="190500" cap="sq">
+            <a:solidFill>
+              <a:srgbClr val="FFFFFF"/>
+            </a:solidFill>
+            <a:miter lim="800000"/>
+          </a:ln>
+          <a:scene3d>
+            <a:camera prst="orthographicFront"/>
+            <a:lightRig rig="twoPt" dir="t">
+              <a:rot lat="0" lon="0" rev="7200000"/>
+            </a:lightRig>
+          </a:scene3d>
+          <a:sp3d>
+            <a:bevelT w="25400" h="19050"/>
+          </a:sp3d>
+        </p:spPr>
+        <p:style>
+          <a:lnRef idx="1">
+            <a:schemeClr val="accent1"/>
+          </a:lnRef>
+          <a:fillRef idx="0">
+            <a:schemeClr val="accent1"/>
+          </a:fillRef>
+          <a:effectRef idx="0">
+            <a:schemeClr val="accent1"/>
+          </a:effectRef>
+          <a:fontRef idx="minor">
+            <a:schemeClr val="tx1"/>
+          </a:fontRef>
+        </p:style>
+      </p:cxnSp>
+      <p:sp>
+        <p:nvSpPr>
+          <p:cNvPr id="8" name="Szövegdoboz 7">
+            <a:extLst>
+              <a:ext uri="{FF2B5EF4-FFF2-40B4-BE49-F238E27FC236}">
+                <a16:creationId xmlns:a16="http://schemas.microsoft.com/office/drawing/2014/main" id="{38ECB157-ECC1-332B-6170-F09FB42171C8}"/>
+              </a:ext>
+            </a:extLst>
+          </p:cNvPr>
+          <p:cNvSpPr txBox="1"/>
+          <p:nvPr/>
+        </p:nvSpPr>
+        <p:spPr>
+          <a:xfrm>
+            <a:off x="0" y="6627158"/>
+            <a:ext cx="7422201" cy="230832"/>
+          </a:xfrm>
+          <a:prstGeom prst="rect">
+            <a:avLst/>
+          </a:prstGeom>
+          <a:noFill/>
+        </p:spPr>
+        <p:txBody>
+          <a:bodyPr wrap="square" rtlCol="0">
+            <a:spAutoFit/>
+          </a:bodyPr>
+          <a:lstStyle/>
+          <a:p>
+            <a:r>
+              <a:rPr lang="hu-HU" sz="900" dirty="0"/>
+              <a:t>https://pcworld.hu/szoftver/emberekre-tamado-szamitogepes-virusok-eddy-willems-interju-148961.html</a:t>
+            </a:r>
           </a:p>
         </p:txBody>
       </p:sp>
@@ -6480,19 +7243,34 @@
   <p:clrMapOvr>
     <a:masterClrMapping/>
   </p:clrMapOvr>
-  <p:timing>
-    <p:tnLst>
-      <p:par>
-        <p:cTn id="1" dur="indefinite" restart="never" nodeType="tmRoot"/>
-      </p:par>
-    </p:tnLst>
-  </p:timing>
 </p:sld>
 </file>
 
 <file path=ppt/slides/slide9.xml><?xml version="1.0" encoding="utf-8"?>
 <p:sld xmlns:a="http://schemas.openxmlformats.org/drawingml/2006/main" xmlns:r="http://schemas.openxmlformats.org/officeDocument/2006/relationships" xmlns:p="http://schemas.openxmlformats.org/presentationml/2006/main">
   <p:cSld>
+    <p:bg>
+      <p:bgPr>
+        <a:blipFill rotWithShape="1">
+          <a:blip r:embed="rId2">
+            <a:duotone>
+              <a:schemeClr val="bg2">
+                <a:shade val="18000"/>
+                <a:satMod val="160000"/>
+                <a:lumMod val="28000"/>
+              </a:schemeClr>
+              <a:schemeClr val="bg2">
+                <a:tint val="95000"/>
+                <a:satMod val="160000"/>
+                <a:lumMod val="116000"/>
+              </a:schemeClr>
+            </a:duotone>
+          </a:blip>
+          <a:stretch/>
+        </a:blipFill>
+        <a:effectLst/>
+      </p:bgPr>
+    </p:bg>
     <p:spTree>
       <p:nvGrpSpPr>
         <p:cNvPr id="1" name=""/>
@@ -6517,12 +7295,22 @@
             <p:ph type="title"/>
           </p:nvPr>
         </p:nvSpPr>
-        <p:spPr/>
-        <p:txBody>
-          <a:bodyPr/>
-          <a:lstStyle/>
-          <a:p>
-            <a:endParaRPr lang="hu-HU"/>
+        <p:spPr>
+          <a:xfrm>
+            <a:off x="913795" y="609600"/>
+            <a:ext cx="10353761" cy="1326321"/>
+          </a:xfrm>
+        </p:spPr>
+        <p:txBody>
+          <a:bodyPr>
+            <a:normAutofit/>
+          </a:bodyPr>
+          <a:lstStyle/>
+          <a:p>
+            <a:r>
+              <a:rPr lang="hu-HU" dirty="0"/>
+              <a:t>Férgek</a:t>
+            </a:r>
           </a:p>
         </p:txBody>
       </p:sp>
@@ -6536,12 +7324,120 @@
             <p:ph idx="1"/>
           </p:nvPr>
         </p:nvSpPr>
-        <p:spPr/>
-        <p:txBody>
-          <a:bodyPr/>
-          <a:lstStyle/>
-          <a:p>
-            <a:endParaRPr lang="hu-HU"/>
+        <p:spPr>
+          <a:xfrm>
+            <a:off x="913795" y="2096064"/>
+            <a:ext cx="6352824" cy="3695136"/>
+          </a:xfrm>
+        </p:spPr>
+        <p:txBody>
+          <a:bodyPr>
+            <a:normAutofit/>
+          </a:bodyPr>
+          <a:lstStyle/>
+          <a:p>
+            <a:r>
+              <a:rPr lang="hu-HU" dirty="0"/>
+              <a:t>Önsokszorosító</a:t>
+            </a:r>
+          </a:p>
+          <a:p>
+            <a:r>
+              <a:rPr lang="hu-HU" dirty="0"/>
+              <a:t>Használata</a:t>
+            </a:r>
+          </a:p>
+        </p:txBody>
+      </p:sp>
+      <p:pic>
+        <p:nvPicPr>
+          <p:cNvPr id="5" name="Kép 4">
+            <a:extLst>
+              <a:ext uri="{FF2B5EF4-FFF2-40B4-BE49-F238E27FC236}">
+                <a16:creationId xmlns:a16="http://schemas.microsoft.com/office/drawing/2014/main" id="{0F20CA7A-2267-CB4E-1502-35170D74E985}"/>
+              </a:ext>
+            </a:extLst>
+          </p:cNvPr>
+          <p:cNvPicPr>
+            <a:picLocks noChangeAspect="1"/>
+          </p:cNvPicPr>
+          <p:nvPr/>
+        </p:nvPicPr>
+        <p:blipFill rotWithShape="1">
+          <a:blip r:embed="rId3">
+            <a:extLst>
+              <a:ext uri="{28A0092B-C50C-407E-A947-70E740481C1C}">
+                <a14:useLocalDpi xmlns:a14="http://schemas.microsoft.com/office/drawing/2010/main" val="0"/>
+              </a:ext>
+            </a:extLst>
+          </a:blip>
+          <a:srcRect t="530" r="-5" b="-5"/>
+          <a:stretch/>
+        </p:blipFill>
+        <p:spPr>
+          <a:xfrm>
+            <a:off x="7678736" y="2210935"/>
+            <a:ext cx="3511778" cy="3493180"/>
+          </a:xfrm>
+          <a:prstGeom prst="rect">
+            <a:avLst/>
+          </a:prstGeom>
+          <a:ln w="190500" cap="sq">
+            <a:solidFill>
+              <a:srgbClr val="FFFFFF"/>
+            </a:solidFill>
+            <a:miter lim="800000"/>
+          </a:ln>
+          <a:effectLst>
+            <a:outerShdw blurRad="54991" dist="17780" dir="5400000" algn="ctr" rotWithShape="0">
+              <a:schemeClr val="bg1">
+                <a:alpha val="40000"/>
+              </a:schemeClr>
+            </a:outerShdw>
+          </a:effectLst>
+          <a:scene3d>
+            <a:camera prst="orthographicFront"/>
+            <a:lightRig rig="twoPt" dir="t">
+              <a:rot lat="0" lon="0" rev="7200000"/>
+            </a:lightRig>
+          </a:scene3d>
+          <a:sp3d>
+            <a:bevelT w="25400" h="19050"/>
+          </a:sp3d>
+        </p:spPr>
+      </p:pic>
+      <p:sp>
+        <p:nvSpPr>
+          <p:cNvPr id="6" name="Szövegdoboz 5">
+            <a:extLst>
+              <a:ext uri="{FF2B5EF4-FFF2-40B4-BE49-F238E27FC236}">
+                <a16:creationId xmlns:a16="http://schemas.microsoft.com/office/drawing/2014/main" id="{E70EE685-D8F7-702B-CF2C-6049A816396C}"/>
+              </a:ext>
+            </a:extLst>
+          </p:cNvPr>
+          <p:cNvSpPr txBox="1"/>
+          <p:nvPr/>
+        </p:nvSpPr>
+        <p:spPr>
+          <a:xfrm>
+            <a:off x="7577847" y="5791200"/>
+            <a:ext cx="3700358" cy="230832"/>
+          </a:xfrm>
+          <a:prstGeom prst="rect">
+            <a:avLst/>
+          </a:prstGeom>
+          <a:noFill/>
+        </p:spPr>
+        <p:txBody>
+          <a:bodyPr wrap="square" rtlCol="0">
+            <a:spAutoFit/>
+          </a:bodyPr>
+          <a:lstStyle/>
+          <a:p>
+            <a:r>
+              <a:rPr lang="hu-HU" sz="900" dirty="0"/>
+              <a:t>https://infovilag.hu/szamitogepes_fergek_25_ev_ota_gyerekek_v/</a:t>
+            </a:r>
           </a:p>
         </p:txBody>
       </p:sp>
@@ -6555,13 +7451,6 @@
   <p:clrMapOvr>
     <a:masterClrMapping/>
   </p:clrMapOvr>
-  <p:timing>
-    <p:tnLst>
-      <p:par>
-        <p:cTn id="1" dur="indefinite" restart="never" nodeType="tmRoot"/>
-      </p:par>
-    </p:tnLst>
-  </p:timing>
 </p:sld>
 </file>
 

--- a/Számítógép védelme.pptx
+++ b/Számítógép védelme.pptx
@@ -7,14 +7,15 @@
   <p:sldIdLst>
     <p:sldId id="256" r:id="rId2"/>
     <p:sldId id="257" r:id="rId3"/>
-    <p:sldId id="258" r:id="rId4"/>
-    <p:sldId id="259" r:id="rId5"/>
-    <p:sldId id="261" r:id="rId6"/>
-    <p:sldId id="260" r:id="rId7"/>
-    <p:sldId id="262" r:id="rId8"/>
-    <p:sldId id="263" r:id="rId9"/>
-    <p:sldId id="264" r:id="rId10"/>
-    <p:sldId id="266" r:id="rId11"/>
+    <p:sldId id="271" r:id="rId4"/>
+    <p:sldId id="272" r:id="rId5"/>
+    <p:sldId id="275" r:id="rId6"/>
+    <p:sldId id="274" r:id="rId7"/>
+    <p:sldId id="258" r:id="rId8"/>
+    <p:sldId id="273" r:id="rId9"/>
+    <p:sldId id="259" r:id="rId10"/>
+    <p:sldId id="261" r:id="rId11"/>
+    <p:sldId id="266" r:id="rId12"/>
   </p:sldIdLst>
   <p:sldSz cx="12192000" cy="6858000"/>
   <p:notesSz cx="6858000" cy="9144000"/>
@@ -254,7 +255,7 @@
           <a:p>
             <a:fld id="{516224EF-E2DD-4763-8B5A-0D105C5558CD}" type="datetimeFigureOut">
               <a:rPr lang="hu-HU" smtClean="0"/>
-              <a:t>2022. 09. 20.</a:t>
+              <a:t>2022. 09. 27.</a:t>
             </a:fld>
             <a:endParaRPr lang="hu-HU"/>
           </a:p>
@@ -541,7 +542,7 @@
           <a:p>
             <a:fld id="{516224EF-E2DD-4763-8B5A-0D105C5558CD}" type="datetimeFigureOut">
               <a:rPr lang="hu-HU" smtClean="0"/>
-              <a:t>2022. 09. 20.</a:t>
+              <a:t>2022. 09. 27.</a:t>
             </a:fld>
             <a:endParaRPr lang="hu-HU"/>
           </a:p>
@@ -733,7 +734,7 @@
           <a:p>
             <a:fld id="{516224EF-E2DD-4763-8B5A-0D105C5558CD}" type="datetimeFigureOut">
               <a:rPr lang="hu-HU" smtClean="0"/>
-              <a:t>2022. 09. 20.</a:t>
+              <a:t>2022. 09. 27.</a:t>
             </a:fld>
             <a:endParaRPr lang="hu-HU"/>
           </a:p>
@@ -994,7 +995,7 @@
           <a:p>
             <a:fld id="{516224EF-E2DD-4763-8B5A-0D105C5558CD}" type="datetimeFigureOut">
               <a:rPr lang="hu-HU" smtClean="0"/>
-              <a:t>2022. 09. 20.</a:t>
+              <a:t>2022. 09. 27.</a:t>
             </a:fld>
             <a:endParaRPr lang="hu-HU"/>
           </a:p>
@@ -1418,7 +1419,7 @@
           <a:p>
             <a:fld id="{516224EF-E2DD-4763-8B5A-0D105C5558CD}" type="datetimeFigureOut">
               <a:rPr lang="hu-HU" smtClean="0"/>
-              <a:t>2022. 09. 20.</a:t>
+              <a:t>2022. 09. 27.</a:t>
             </a:fld>
             <a:endParaRPr lang="hu-HU"/>
           </a:p>
@@ -1964,7 +1965,7 @@
           <a:p>
             <a:fld id="{516224EF-E2DD-4763-8B5A-0D105C5558CD}" type="datetimeFigureOut">
               <a:rPr lang="hu-HU" smtClean="0"/>
-              <a:t>2022. 09. 20.</a:t>
+              <a:t>2022. 09. 27.</a:t>
             </a:fld>
             <a:endParaRPr lang="hu-HU"/>
           </a:p>
@@ -2804,7 +2805,7 @@
           <a:p>
             <a:fld id="{516224EF-E2DD-4763-8B5A-0D105C5558CD}" type="datetimeFigureOut">
               <a:rPr lang="hu-HU" smtClean="0"/>
-              <a:t>2022. 09. 20.</a:t>
+              <a:t>2022. 09. 27.</a:t>
             </a:fld>
             <a:endParaRPr lang="hu-HU"/>
           </a:p>
@@ -2974,7 +2975,7 @@
           <a:p>
             <a:fld id="{516224EF-E2DD-4763-8B5A-0D105C5558CD}" type="datetimeFigureOut">
               <a:rPr lang="hu-HU" smtClean="0"/>
-              <a:t>2022. 09. 20.</a:t>
+              <a:t>2022. 09. 27.</a:t>
             </a:fld>
             <a:endParaRPr lang="hu-HU"/>
           </a:p>
@@ -3158,7 +3159,7 @@
           <a:p>
             <a:fld id="{516224EF-E2DD-4763-8B5A-0D105C5558CD}" type="datetimeFigureOut">
               <a:rPr lang="hu-HU" smtClean="0"/>
-              <a:t>2022. 09. 20.</a:t>
+              <a:t>2022. 09. 27.</a:t>
             </a:fld>
             <a:endParaRPr lang="hu-HU"/>
           </a:p>
@@ -3328,7 +3329,7 @@
           <a:p>
             <a:fld id="{516224EF-E2DD-4763-8B5A-0D105C5558CD}" type="datetimeFigureOut">
               <a:rPr lang="hu-HU" smtClean="0"/>
-              <a:t>2022. 09. 20.</a:t>
+              <a:t>2022. 09. 27.</a:t>
             </a:fld>
             <a:endParaRPr lang="hu-HU"/>
           </a:p>
@@ -3576,7 +3577,7 @@
           <a:p>
             <a:fld id="{516224EF-E2DD-4763-8B5A-0D105C5558CD}" type="datetimeFigureOut">
               <a:rPr lang="hu-HU" smtClean="0"/>
-              <a:t>2022. 09. 20.</a:t>
+              <a:t>2022. 09. 27.</a:t>
             </a:fld>
             <a:endParaRPr lang="hu-HU"/>
           </a:p>
@@ -3813,7 +3814,7 @@
           <a:p>
             <a:fld id="{516224EF-E2DD-4763-8B5A-0D105C5558CD}" type="datetimeFigureOut">
               <a:rPr lang="hu-HU" smtClean="0"/>
-              <a:t>2022. 09. 20.</a:t>
+              <a:t>2022. 09. 27.</a:t>
             </a:fld>
             <a:endParaRPr lang="hu-HU"/>
           </a:p>
@@ -4186,7 +4187,7 @@
           <a:p>
             <a:fld id="{516224EF-E2DD-4763-8B5A-0D105C5558CD}" type="datetimeFigureOut">
               <a:rPr lang="hu-HU" smtClean="0"/>
-              <a:t>2022. 09. 20.</a:t>
+              <a:t>2022. 09. 27.</a:t>
             </a:fld>
             <a:endParaRPr lang="hu-HU"/>
           </a:p>
@@ -4304,7 +4305,7 @@
           <a:p>
             <a:fld id="{516224EF-E2DD-4763-8B5A-0D105C5558CD}" type="datetimeFigureOut">
               <a:rPr lang="hu-HU" smtClean="0"/>
-              <a:t>2022. 09. 20.</a:t>
+              <a:t>2022. 09. 27.</a:t>
             </a:fld>
             <a:endParaRPr lang="hu-HU"/>
           </a:p>
@@ -4399,7 +4400,7 @@
           <a:p>
             <a:fld id="{516224EF-E2DD-4763-8B5A-0D105C5558CD}" type="datetimeFigureOut">
               <a:rPr lang="hu-HU" smtClean="0"/>
-              <a:t>2022. 09. 20.</a:t>
+              <a:t>2022. 09. 27.</a:t>
             </a:fld>
             <a:endParaRPr lang="hu-HU"/>
           </a:p>
@@ -4650,7 +4651,7 @@
           <a:p>
             <a:fld id="{516224EF-E2DD-4763-8B5A-0D105C5558CD}" type="datetimeFigureOut">
               <a:rPr lang="hu-HU" smtClean="0"/>
-              <a:t>2022. 09. 20.</a:t>
+              <a:t>2022. 09. 27.</a:t>
             </a:fld>
             <a:endParaRPr lang="hu-HU"/>
           </a:p>
@@ -4937,7 +4938,7 @@
           <a:p>
             <a:fld id="{516224EF-E2DD-4763-8B5A-0D105C5558CD}" type="datetimeFigureOut">
               <a:rPr lang="hu-HU" smtClean="0"/>
-              <a:t>2022. 09. 20.</a:t>
+              <a:t>2022. 09. 27.</a:t>
             </a:fld>
             <a:endParaRPr lang="hu-HU"/>
           </a:p>
@@ -5150,7 +5151,7 @@
           <a:p>
             <a:fld id="{516224EF-E2DD-4763-8B5A-0D105C5558CD}" type="datetimeFigureOut">
               <a:rPr lang="hu-HU" smtClean="0"/>
-              <a:t>2022. 09. 20.</a:t>
+              <a:t>2022. 09. 27.</a:t>
             </a:fld>
             <a:endParaRPr lang="hu-HU"/>
           </a:p>
@@ -5641,14 +5642,21 @@
             <p:ph type="ctrTitle"/>
           </p:nvPr>
         </p:nvSpPr>
-        <p:spPr/>
-        <p:txBody>
-          <a:bodyPr/>
-          <a:lstStyle/>
-          <a:p>
-            <a:r>
-              <a:rPr lang="hu-HU" dirty="0"/>
-              <a:t>Számítógép védelme</a:t>
+        <p:spPr>
+          <a:xfrm>
+            <a:off x="1595269" y="1281754"/>
+            <a:ext cx="9001462" cy="2387600"/>
+          </a:xfrm>
+        </p:spPr>
+        <p:txBody>
+          <a:bodyPr>
+            <a:normAutofit/>
+          </a:bodyPr>
+          <a:lstStyle/>
+          <a:p>
+            <a:r>
+              <a:rPr lang="hu-HU" sz="4000" dirty="0"/>
+              <a:t>Számítógépünk Optimális állapotának fenntartása</a:t>
             </a:r>
           </a:p>
         </p:txBody>
@@ -5717,6 +5725,195 @@
         </p:nvSpPr>
         <p:spPr/>
         <p:txBody>
+          <a:bodyPr>
+            <a:normAutofit/>
+          </a:bodyPr>
+          <a:lstStyle/>
+          <a:p>
+            <a:r>
+              <a:rPr lang="hu-HU" sz="4000" dirty="0"/>
+              <a:t>Tűzfal</a:t>
+            </a:r>
+          </a:p>
+        </p:txBody>
+      </p:sp>
+      <p:sp>
+        <p:nvSpPr>
+          <p:cNvPr id="3" name="Tartalom helye 2"/>
+          <p:cNvSpPr>
+            <a:spLocks noGrp="1"/>
+          </p:cNvSpPr>
+          <p:nvPr>
+            <p:ph idx="1"/>
+          </p:nvPr>
+        </p:nvSpPr>
+        <p:spPr/>
+        <p:txBody>
+          <a:bodyPr>
+            <a:normAutofit/>
+          </a:bodyPr>
+          <a:lstStyle/>
+          <a:p>
+            <a:pPr>
+              <a:buFont typeface="Wingdings" panose="05000000000000000000" pitchFamily="2" charset="2"/>
+              <a:buChar char="Ø"/>
+            </a:pPr>
+            <a:r>
+              <a:rPr lang="hu-HU" sz="3600" dirty="0"/>
+              <a:t>Elnevezés</a:t>
+            </a:r>
+          </a:p>
+          <a:p>
+            <a:pPr>
+              <a:buFont typeface="Wingdings" panose="05000000000000000000" pitchFamily="2" charset="2"/>
+              <a:buChar char="Ø"/>
+            </a:pPr>
+            <a:r>
+              <a:rPr lang="hu-HU" sz="3600" dirty="0"/>
+              <a:t>Külső</a:t>
+            </a:r>
+          </a:p>
+          <a:p>
+            <a:pPr>
+              <a:buFont typeface="Wingdings" panose="05000000000000000000" pitchFamily="2" charset="2"/>
+              <a:buChar char="Ø"/>
+            </a:pPr>
+            <a:r>
+              <a:rPr lang="hu-HU" sz="3600" dirty="0"/>
+              <a:t>Belső</a:t>
+            </a:r>
+          </a:p>
+          <a:p>
+            <a:pPr>
+              <a:buFont typeface="Wingdings" panose="05000000000000000000" pitchFamily="2" charset="2"/>
+              <a:buChar char="Ø"/>
+            </a:pPr>
+            <a:r>
+              <a:rPr lang="hu-HU" sz="3600" dirty="0"/>
+              <a:t>Nem hibátlan</a:t>
+            </a:r>
+          </a:p>
+        </p:txBody>
+      </p:sp>
+      <p:pic>
+        <p:nvPicPr>
+          <p:cNvPr id="5" name="Kép 4">
+            <a:extLst>
+              <a:ext uri="{FF2B5EF4-FFF2-40B4-BE49-F238E27FC236}">
+                <a16:creationId xmlns:a16="http://schemas.microsoft.com/office/drawing/2014/main" id="{3D8877A4-5D52-2904-81C3-272808785FC3}"/>
+              </a:ext>
+            </a:extLst>
+          </p:cNvPr>
+          <p:cNvPicPr>
+            <a:picLocks noChangeAspect="1"/>
+          </p:cNvPicPr>
+          <p:nvPr/>
+        </p:nvPicPr>
+        <p:blipFill>
+          <a:blip r:embed="rId2">
+            <a:extLst>
+              <a:ext uri="{28A0092B-C50C-407E-A947-70E740481C1C}">
+                <a14:useLocalDpi xmlns:a14="http://schemas.microsoft.com/office/drawing/2010/main" val="0"/>
+              </a:ext>
+            </a:extLst>
+          </a:blip>
+          <a:stretch>
+            <a:fillRect/>
+          </a:stretch>
+        </p:blipFill>
+        <p:spPr>
+          <a:xfrm>
+            <a:off x="7075971" y="2276314"/>
+            <a:ext cx="4191585" cy="2305372"/>
+          </a:xfrm>
+          <a:prstGeom prst="rect">
+            <a:avLst/>
+          </a:prstGeom>
+        </p:spPr>
+      </p:pic>
+      <p:sp>
+        <p:nvSpPr>
+          <p:cNvPr id="6" name="Szövegdoboz 5">
+            <a:extLst>
+              <a:ext uri="{FF2B5EF4-FFF2-40B4-BE49-F238E27FC236}">
+                <a16:creationId xmlns:a16="http://schemas.microsoft.com/office/drawing/2014/main" id="{9814358B-8AA3-E0E4-1562-1B171B6FC7FB}"/>
+              </a:ext>
+            </a:extLst>
+          </p:cNvPr>
+          <p:cNvSpPr txBox="1"/>
+          <p:nvPr/>
+        </p:nvSpPr>
+        <p:spPr>
+          <a:xfrm>
+            <a:off x="7086620" y="4626413"/>
+            <a:ext cx="4191585" cy="230832"/>
+          </a:xfrm>
+          <a:prstGeom prst="rect">
+            <a:avLst/>
+          </a:prstGeom>
+          <a:noFill/>
+        </p:spPr>
+        <p:txBody>
+          <a:bodyPr wrap="square" rtlCol="0">
+            <a:spAutoFit/>
+          </a:bodyPr>
+          <a:lstStyle/>
+          <a:p>
+            <a:r>
+              <a:rPr lang="hu-HU" sz="900" dirty="0">
+                <a:hlinkClick r:id="rId3"/>
+              </a:rPr>
+              <a:t>https://tinyurl.com/2p9c7mb6</a:t>
+            </a:r>
+            <a:r>
+              <a:rPr lang="hu-HU" sz="900" dirty="0"/>
+              <a:t> </a:t>
+            </a:r>
+          </a:p>
+        </p:txBody>
+      </p:sp>
+    </p:spTree>
+    <p:extLst>
+      <p:ext uri="{BB962C8B-B14F-4D97-AF65-F5344CB8AC3E}">
+        <p14:creationId xmlns:p14="http://schemas.microsoft.com/office/powerpoint/2010/main" val="4083332724"/>
+      </p:ext>
+    </p:extLst>
+  </p:cSld>
+  <p:clrMapOvr>
+    <a:masterClrMapping/>
+  </p:clrMapOvr>
+</p:sld>
+</file>
+
+<file path=ppt/slides/slide11.xml><?xml version="1.0" encoding="utf-8"?>
+<p:sld xmlns:a="http://schemas.openxmlformats.org/drawingml/2006/main" xmlns:r="http://schemas.openxmlformats.org/officeDocument/2006/relationships" xmlns:p="http://schemas.openxmlformats.org/presentationml/2006/main">
+  <p:cSld>
+    <p:spTree>
+      <p:nvGrpSpPr>
+        <p:cNvPr id="1" name=""/>
+        <p:cNvGrpSpPr/>
+        <p:nvPr/>
+      </p:nvGrpSpPr>
+      <p:grpSpPr>
+        <a:xfrm>
+          <a:off x="0" y="0"/>
+          <a:ext cx="0" cy="0"/>
+          <a:chOff x="0" y="0"/>
+          <a:chExt cx="0" cy="0"/>
+        </a:xfrm>
+      </p:grpSpPr>
+      <p:sp>
+        <p:nvSpPr>
+          <p:cNvPr id="2" name="Cím 1"/>
+          <p:cNvSpPr>
+            <a:spLocks noGrp="1"/>
+          </p:cNvSpPr>
+          <p:nvPr>
+            <p:ph type="title"/>
+          </p:nvPr>
+        </p:nvSpPr>
+        <p:spPr/>
+        <p:txBody>
           <a:bodyPr/>
           <a:lstStyle/>
           <a:p>
@@ -5801,6 +5998,16 @@
                 <a:hlinkClick r:id="rId7"/>
               </a:rPr>
               <a:t>https://tinyurl.com/yx7fku8n</a:t>
+            </a:r>
+            <a:r>
+              <a:rPr lang="hu-HU" dirty="0"/>
+              <a:t>, </a:t>
+            </a:r>
+            <a:r>
+              <a:rPr lang="hu-HU" dirty="0">
+                <a:hlinkClick r:id="rId8"/>
+              </a:rPr>
+              <a:t>https://tinyurl.com/yv3vwzx2</a:t>
             </a:r>
             <a:r>
               <a:rPr lang="hu-HU" dirty="0"/>
@@ -5854,49 +6061,232 @@
         </p:nvSpPr>
         <p:spPr/>
         <p:txBody>
-          <a:bodyPr/>
-          <a:lstStyle/>
-          <a:p>
-            <a:r>
-              <a:rPr lang="hu-HU" dirty="0"/>
-              <a:t>Fizikailag</a:t>
-            </a:r>
-          </a:p>
-        </p:txBody>
-      </p:sp>
-      <p:sp>
-        <p:nvSpPr>
-          <p:cNvPr id="3" name="Tartalom helye 2"/>
-          <p:cNvSpPr>
-            <a:spLocks noGrp="1"/>
-          </p:cNvSpPr>
-          <p:nvPr>
-            <p:ph idx="1"/>
-          </p:nvPr>
-        </p:nvSpPr>
-        <p:spPr/>
-        <p:txBody>
           <a:bodyPr>
             <a:normAutofit/>
           </a:bodyPr>
           <a:lstStyle/>
           <a:p>
             <a:r>
-              <a:rPr lang="hu-HU" sz="2400" dirty="0"/>
+              <a:rPr lang="hu-HU" sz="4000" dirty="0"/>
+              <a:t>Fizikailag</a:t>
+            </a:r>
+          </a:p>
+        </p:txBody>
+      </p:sp>
+      <p:sp>
+        <p:nvSpPr>
+          <p:cNvPr id="3" name="Tartalom helye 2"/>
+          <p:cNvSpPr>
+            <a:spLocks noGrp="1"/>
+          </p:cNvSpPr>
+          <p:nvPr>
+            <p:ph idx="1"/>
+          </p:nvPr>
+        </p:nvSpPr>
+        <p:spPr/>
+        <p:txBody>
+          <a:bodyPr>
+            <a:normAutofit/>
+          </a:bodyPr>
+          <a:lstStyle/>
+          <a:p>
+            <a:pPr>
+              <a:buFont typeface="Wingdings" panose="05000000000000000000" pitchFamily="2" charset="2"/>
+              <a:buChar char="Ø"/>
+            </a:pPr>
+            <a:r>
+              <a:rPr lang="hu-HU" sz="3200" dirty="0"/>
               <a:t>Biztonságos környezet </a:t>
             </a:r>
           </a:p>
           <a:p>
-            <a:r>
-              <a:rPr lang="hu-HU" sz="2400" dirty="0"/>
+            <a:pPr>
+              <a:buFont typeface="Wingdings" panose="05000000000000000000" pitchFamily="2" charset="2"/>
+              <a:buChar char="Ø"/>
+            </a:pPr>
+            <a:r>
+              <a:rPr lang="hu-HU" sz="3200" dirty="0"/>
               <a:t>Gépház és tartalmainak karbantartása</a:t>
+            </a:r>
+          </a:p>
+          <a:p>
+            <a:pPr>
+              <a:buFont typeface="Wingdings" panose="05000000000000000000" pitchFamily="2" charset="2"/>
+              <a:buChar char="Ø"/>
+            </a:pPr>
+            <a:r>
+              <a:rPr lang="hu-HU" sz="3200" dirty="0"/>
+              <a:t>Mentés</a:t>
+            </a:r>
+          </a:p>
+        </p:txBody>
+      </p:sp>
+    </p:spTree>
+    <p:extLst>
+      <p:ext uri="{BB962C8B-B14F-4D97-AF65-F5344CB8AC3E}">
+        <p14:creationId xmlns:p14="http://schemas.microsoft.com/office/powerpoint/2010/main" val="1027845335"/>
+      </p:ext>
+    </p:extLst>
+  </p:cSld>
+  <p:clrMapOvr>
+    <a:masterClrMapping/>
+  </p:clrMapOvr>
+</p:sld>
+</file>
+
+<file path=ppt/slides/slide3.xml><?xml version="1.0" encoding="utf-8"?>
+<p:sld xmlns:a="http://schemas.openxmlformats.org/drawingml/2006/main" xmlns:r="http://schemas.openxmlformats.org/officeDocument/2006/relationships" xmlns:p="http://schemas.openxmlformats.org/presentationml/2006/main">
+  <p:cSld>
+    <p:spTree>
+      <p:nvGrpSpPr>
+        <p:cNvPr id="1" name=""/>
+        <p:cNvGrpSpPr/>
+        <p:nvPr/>
+      </p:nvGrpSpPr>
+      <p:grpSpPr>
+        <a:xfrm>
+          <a:off x="0" y="0"/>
+          <a:ext cx="0" cy="0"/>
+          <a:chOff x="0" y="0"/>
+          <a:chExt cx="0" cy="0"/>
+        </a:xfrm>
+      </p:grpSpPr>
+      <p:sp>
+        <p:nvSpPr>
+          <p:cNvPr id="2" name="Cím 1">
+            <a:extLst>
+              <a:ext uri="{FF2B5EF4-FFF2-40B4-BE49-F238E27FC236}">
+                <a16:creationId xmlns:a16="http://schemas.microsoft.com/office/drawing/2014/main" id="{97F7D454-2883-0881-C43E-FE0207AFDFD0}"/>
+              </a:ext>
+            </a:extLst>
+          </p:cNvPr>
+          <p:cNvSpPr>
+            <a:spLocks noGrp="1"/>
+          </p:cNvSpPr>
+          <p:nvPr>
+            <p:ph type="title"/>
+          </p:nvPr>
+        </p:nvSpPr>
+        <p:spPr/>
+        <p:txBody>
+          <a:bodyPr>
+            <a:normAutofit/>
+          </a:bodyPr>
+          <a:lstStyle/>
+          <a:p>
+            <a:r>
+              <a:rPr lang="hu-HU" sz="4000" dirty="0"/>
+              <a:t>Biztonságos környezet</a:t>
+            </a:r>
+          </a:p>
+        </p:txBody>
+      </p:sp>
+      <p:sp>
+        <p:nvSpPr>
+          <p:cNvPr id="3" name="Tartalom helye 2">
+            <a:extLst>
+              <a:ext uri="{FF2B5EF4-FFF2-40B4-BE49-F238E27FC236}">
+                <a16:creationId xmlns:a16="http://schemas.microsoft.com/office/drawing/2014/main" id="{42B61E53-4A6B-2AF2-9442-904F22396CF3}"/>
+              </a:ext>
+            </a:extLst>
+          </p:cNvPr>
+          <p:cNvSpPr>
+            <a:spLocks noGrp="1"/>
+          </p:cNvSpPr>
+          <p:nvPr>
+            <p:ph idx="1"/>
+          </p:nvPr>
+        </p:nvSpPr>
+        <p:spPr/>
+        <p:txBody>
+          <a:bodyPr>
+            <a:normAutofit fontScale="40000" lnSpcReduction="20000"/>
+          </a:bodyPr>
+          <a:lstStyle/>
+          <a:p>
+            <a:pPr>
+              <a:buFont typeface="Wingdings" panose="05000000000000000000" pitchFamily="2" charset="2"/>
+              <a:buChar char="Ø"/>
+            </a:pPr>
+            <a:r>
+              <a:rPr lang="hu-HU" sz="7600" dirty="0"/>
+              <a:t>Veszélyek: tűz, víz, por</a:t>
+            </a:r>
+          </a:p>
+          <a:p>
+            <a:pPr>
+              <a:buFont typeface="Wingdings" panose="05000000000000000000" pitchFamily="2" charset="2"/>
+              <a:buChar char="Ø"/>
+            </a:pPr>
+            <a:r>
+              <a:rPr lang="hu-HU" sz="7600" dirty="0"/>
+              <a:t>Elkülönítve</a:t>
+            </a:r>
+          </a:p>
+          <a:p>
+            <a:pPr>
+              <a:buFont typeface="Wingdings" panose="05000000000000000000" pitchFamily="2" charset="2"/>
+              <a:buChar char="Ø"/>
+            </a:pPr>
+            <a:r>
+              <a:rPr lang="hu-HU" sz="7600" dirty="0"/>
+              <a:t>Mentés</a:t>
+            </a:r>
+          </a:p>
+          <a:p>
+            <a:pPr>
+              <a:buFont typeface="Wingdings" panose="05000000000000000000" pitchFamily="2" charset="2"/>
+              <a:buChar char="Ø"/>
+            </a:pPr>
+            <a:r>
+              <a:rPr lang="hu-HU" sz="7600" dirty="0"/>
+              <a:t>Figyelemfelhívás</a:t>
+            </a:r>
+          </a:p>
+          <a:p>
+            <a:pPr>
+              <a:buFont typeface="Wingdings" panose="05000000000000000000" pitchFamily="2" charset="2"/>
+              <a:buChar char="Ø"/>
+            </a:pPr>
+            <a:r>
+              <a:rPr lang="hu-HU" sz="7600" dirty="0"/>
+              <a:t>Érintkezés</a:t>
+            </a:r>
+          </a:p>
+          <a:p>
+            <a:pPr>
+              <a:buFont typeface="Wingdings" panose="05000000000000000000" pitchFamily="2" charset="2"/>
+              <a:buChar char="Ø"/>
+            </a:pPr>
+            <a:endParaRPr lang="hu-HU" dirty="0"/>
+          </a:p>
+          <a:p>
+            <a:pPr>
+              <a:buFont typeface="Wingdings" panose="05000000000000000000" pitchFamily="2" charset="2"/>
+              <a:buChar char="Ø"/>
+            </a:pPr>
+            <a:endParaRPr lang="hu-HU" dirty="0"/>
+          </a:p>
+          <a:p>
+            <a:pPr marL="0" indent="0">
+              <a:buNone/>
+            </a:pPr>
+            <a:r>
+              <a:rPr lang="hu-HU" dirty="0"/>
+              <a:t>		</a:t>
             </a:r>
           </a:p>
         </p:txBody>
       </p:sp>
       <p:pic>
         <p:nvPicPr>
-          <p:cNvPr id="4" name="Kép 3"/>
+          <p:cNvPr id="7" name="Kép 6" descr="A képen szöveg látható&#10;&#10;Automatikusan generált leírás">
+            <a:extLst>
+              <a:ext uri="{FF2B5EF4-FFF2-40B4-BE49-F238E27FC236}">
+                <a16:creationId xmlns:a16="http://schemas.microsoft.com/office/drawing/2014/main" id="{F171243F-191D-0EDA-427C-00F33A8CAD2E}"/>
+              </a:ext>
+            </a:extLst>
+          </p:cNvPr>
           <p:cNvPicPr>
             <a:picLocks noChangeAspect="1"/>
           </p:cNvPicPr>
@@ -5916,233 +6306,20 @@
         </p:blipFill>
         <p:spPr>
           <a:xfrm>
-            <a:off x="6705600" y="2374899"/>
-            <a:ext cx="4938712" cy="3292475"/>
+            <a:off x="6865906" y="2096064"/>
+            <a:ext cx="4041727" cy="4041727"/>
           </a:xfrm>
           <a:prstGeom prst="rect">
             <a:avLst/>
           </a:prstGeom>
         </p:spPr>
       </p:pic>
-    </p:spTree>
-    <p:extLst>
-      <p:ext uri="{BB962C8B-B14F-4D97-AF65-F5344CB8AC3E}">
-        <p14:creationId xmlns:p14="http://schemas.microsoft.com/office/powerpoint/2010/main" val="1027845335"/>
-      </p:ext>
-    </p:extLst>
-  </p:cSld>
-  <p:clrMapOvr>
-    <a:masterClrMapping/>
-  </p:clrMapOvr>
-</p:sld>
-</file>
-
-<file path=ppt/slides/slide3.xml><?xml version="1.0" encoding="utf-8"?>
-<p:sld xmlns:a="http://schemas.openxmlformats.org/drawingml/2006/main" xmlns:r="http://schemas.openxmlformats.org/officeDocument/2006/relationships" xmlns:p="http://schemas.openxmlformats.org/presentationml/2006/main">
-  <p:cSld>
-    <p:bg>
-      <p:bgPr>
-        <a:blipFill rotWithShape="1">
-          <a:blip r:embed="rId2">
-            <a:duotone>
-              <a:schemeClr val="bg2">
-                <a:shade val="18000"/>
-                <a:satMod val="160000"/>
-                <a:lumMod val="28000"/>
-              </a:schemeClr>
-              <a:schemeClr val="bg2">
-                <a:tint val="95000"/>
-                <a:satMod val="160000"/>
-                <a:lumMod val="116000"/>
-              </a:schemeClr>
-            </a:duotone>
-          </a:blip>
-          <a:stretch/>
-        </a:blipFill>
-        <a:effectLst/>
-      </p:bgPr>
-    </p:bg>
-    <p:spTree>
-      <p:nvGrpSpPr>
-        <p:cNvPr id="1" name=""/>
-        <p:cNvGrpSpPr/>
-        <p:nvPr/>
-      </p:nvGrpSpPr>
-      <p:grpSpPr>
-        <a:xfrm>
-          <a:off x="0" y="0"/>
-          <a:ext cx="0" cy="0"/>
-          <a:chOff x="0" y="0"/>
-          <a:chExt cx="0" cy="0"/>
-        </a:xfrm>
-      </p:grpSpPr>
-      <p:sp>
-        <p:nvSpPr>
-          <p:cNvPr id="2" name="Cím 1"/>
-          <p:cNvSpPr>
-            <a:spLocks noGrp="1"/>
-          </p:cNvSpPr>
-          <p:nvPr>
-            <p:ph type="title"/>
-          </p:nvPr>
-        </p:nvSpPr>
-        <p:spPr>
-          <a:xfrm>
-            <a:off x="6513534" y="609600"/>
-            <a:ext cx="4754022" cy="1326321"/>
-          </a:xfrm>
-        </p:spPr>
-        <p:txBody>
-          <a:bodyPr>
-            <a:normAutofit/>
-          </a:bodyPr>
-          <a:lstStyle/>
-          <a:p>
-            <a:r>
-              <a:rPr lang="hu-HU" dirty="0"/>
-              <a:t>Szoftveresen</a:t>
-            </a:r>
-          </a:p>
-        </p:txBody>
-      </p:sp>
-      <p:pic>
-        <p:nvPicPr>
-          <p:cNvPr id="5" name="Kép 4">
+      <p:sp>
+        <p:nvSpPr>
+          <p:cNvPr id="8" name="Szövegdoboz 7">
             <a:extLst>
               <a:ext uri="{FF2B5EF4-FFF2-40B4-BE49-F238E27FC236}">
-                <a16:creationId xmlns:a16="http://schemas.microsoft.com/office/drawing/2014/main" id="{B608526B-927E-B236-23FF-3DAAC4BE5153}"/>
-              </a:ext>
-            </a:extLst>
-          </p:cNvPr>
-          <p:cNvPicPr>
-            <a:picLocks noChangeAspect="1"/>
-          </p:cNvPicPr>
-          <p:nvPr/>
-        </p:nvPicPr>
-        <p:blipFill rotWithShape="1">
-          <a:blip r:embed="rId3">
-            <a:extLst>
-              <a:ext uri="{28A0092B-C50C-407E-A947-70E740481C1C}">
-                <a14:useLocalDpi xmlns:a14="http://schemas.microsoft.com/office/drawing/2010/main" val="0"/>
-              </a:ext>
-            </a:extLst>
-          </a:blip>
-          <a:srcRect l="19402" r="21487"/>
-          <a:stretch/>
-        </p:blipFill>
-        <p:spPr>
-          <a:xfrm>
-            <a:off x="20" y="10"/>
-            <a:ext cx="6095980" cy="6857990"/>
-          </a:xfrm>
-          <a:prstGeom prst="rect">
-            <a:avLst/>
-          </a:prstGeom>
-        </p:spPr>
-      </p:pic>
-      <p:sp>
-        <p:nvSpPr>
-          <p:cNvPr id="3" name="Tartalom helye 2"/>
-          <p:cNvSpPr>
-            <a:spLocks noGrp="1"/>
-          </p:cNvSpPr>
-          <p:nvPr>
-            <p:ph idx="1"/>
-          </p:nvPr>
-        </p:nvSpPr>
-        <p:spPr>
-          <a:xfrm>
-            <a:off x="6513534" y="2096064"/>
-            <a:ext cx="4754022" cy="3695136"/>
-          </a:xfrm>
-        </p:spPr>
-        <p:txBody>
-          <a:bodyPr>
-            <a:normAutofit/>
-          </a:bodyPr>
-          <a:lstStyle/>
-          <a:p>
-            <a:r>
-              <a:rPr lang="hu-HU" sz="2400" dirty="0"/>
-              <a:t>Vírusírtók</a:t>
-            </a:r>
-          </a:p>
-          <a:p>
-            <a:r>
-              <a:rPr lang="hu-HU" sz="2400" dirty="0"/>
-              <a:t>Tűzfal</a:t>
-            </a:r>
-          </a:p>
-        </p:txBody>
-      </p:sp>
-      <p:cxnSp>
-        <p:nvCxnSpPr>
-          <p:cNvPr id="10" name="Straight Connector 9">
-            <a:extLst>
-              <a:ext uri="{FF2B5EF4-FFF2-40B4-BE49-F238E27FC236}">
-                <a16:creationId xmlns:a16="http://schemas.microsoft.com/office/drawing/2014/main" id="{E0DCF65E-F84E-483D-83D7-A1616D569143}"/>
-              </a:ext>
-              <a:ext uri="{C183D7F6-B498-43B3-948B-1728B52AA6E4}">
-                <adec:decorative xmlns:adec="http://schemas.microsoft.com/office/drawing/2017/decorative" val="1"/>
-              </a:ext>
-            </a:extLst>
-          </p:cNvPr>
-          <p:cNvCxnSpPr>
-            <a:cxnSpLocks noGrp="1" noRot="1" noChangeAspect="1" noMove="1" noResize="1" noEditPoints="1" noAdjustHandles="1" noChangeArrowheads="1" noChangeShapeType="1"/>
-          </p:cNvCxnSpPr>
-          <p:nvPr>
-            <p:extLst>
-              <p:ext uri="{386F3935-93C4-4BCD-93E2-E3B085C9AB24}">
-                <p16:designElem xmlns:p16="http://schemas.microsoft.com/office/powerpoint/2015/main" val="1"/>
-              </p:ext>
-            </p:extLst>
-          </p:nvPr>
-        </p:nvCxnSpPr>
-        <p:spPr>
-          <a:xfrm>
-            <a:off x="6106560" y="45720"/>
-            <a:ext cx="0" cy="6766560"/>
-          </a:xfrm>
-          <a:prstGeom prst="line">
-            <a:avLst/>
-          </a:prstGeom>
-          <a:ln w="190500" cap="sq">
-            <a:solidFill>
-              <a:srgbClr val="FFFFFF"/>
-            </a:solidFill>
-            <a:miter lim="800000"/>
-          </a:ln>
-          <a:scene3d>
-            <a:camera prst="orthographicFront"/>
-            <a:lightRig rig="twoPt" dir="t">
-              <a:rot lat="0" lon="0" rev="7200000"/>
-            </a:lightRig>
-          </a:scene3d>
-          <a:sp3d>
-            <a:bevelT w="25400" h="19050"/>
-          </a:sp3d>
-        </p:spPr>
-        <p:style>
-          <a:lnRef idx="1">
-            <a:schemeClr val="accent1"/>
-          </a:lnRef>
-          <a:fillRef idx="0">
-            <a:schemeClr val="accent1"/>
-          </a:fillRef>
-          <a:effectRef idx="0">
-            <a:schemeClr val="accent1"/>
-          </a:effectRef>
-          <a:fontRef idx="minor">
-            <a:schemeClr val="tx1"/>
-          </a:fontRef>
-        </p:style>
-      </p:cxnSp>
-      <p:sp>
-        <p:nvSpPr>
-          <p:cNvPr id="6" name="Szövegdoboz 5">
-            <a:extLst>
-              <a:ext uri="{FF2B5EF4-FFF2-40B4-BE49-F238E27FC236}">
-                <a16:creationId xmlns:a16="http://schemas.microsoft.com/office/drawing/2014/main" id="{C39880E0-C43A-D53F-D964-E57BA3BE0D82}"/>
+                <a16:creationId xmlns:a16="http://schemas.microsoft.com/office/drawing/2014/main" id="{D3781842-3C7C-D0AF-A6DE-59C95437FB8D}"/>
               </a:ext>
             </a:extLst>
           </p:cNvPr>
@@ -6151,8 +6328,8 @@
         </p:nvSpPr>
         <p:spPr>
           <a:xfrm>
-            <a:off x="-10540" y="6611769"/>
-            <a:ext cx="5981350" cy="246221"/>
+            <a:off x="8028264" y="5139727"/>
+            <a:ext cx="3640822" cy="246221"/>
           </a:xfrm>
           <a:prstGeom prst="rect">
             <a:avLst/>
@@ -6166,8 +6343,14 @@
           <a:lstStyle/>
           <a:p>
             <a:r>
+              <a:rPr lang="hu-HU" sz="1000" dirty="0">
+                <a:hlinkClick r:id="rId3"/>
+              </a:rPr>
+              <a:t>https://tinyurl.com/27mm7jbs</a:t>
+            </a:r>
+            <a:r>
               <a:rPr lang="hu-HU" sz="1000" dirty="0"/>
-              <a:t>https://www.pcworld.com/article/398720/best-free-antivirus.html</a:t>
+              <a:t> </a:t>
             </a:r>
           </a:p>
         </p:txBody>
@@ -6175,7 +6358,7 @@
     </p:spTree>
     <p:extLst>
       <p:ext uri="{BB962C8B-B14F-4D97-AF65-F5344CB8AC3E}">
-        <p14:creationId xmlns:p14="http://schemas.microsoft.com/office/powerpoint/2010/main" val="1018265107"/>
+        <p14:creationId xmlns:p14="http://schemas.microsoft.com/office/powerpoint/2010/main" val="1797910926"/>
       </p:ext>
     </p:extLst>
   </p:cSld>
@@ -6226,7 +6409,13 @@
       </p:grpSpPr>
       <p:sp>
         <p:nvSpPr>
-          <p:cNvPr id="2" name="Cím 1"/>
+          <p:cNvPr id="2" name="Cím 1">
+            <a:extLst>
+              <a:ext uri="{FF2B5EF4-FFF2-40B4-BE49-F238E27FC236}">
+                <a16:creationId xmlns:a16="http://schemas.microsoft.com/office/drawing/2014/main" id="{B7DAA798-F5BC-AC73-EC78-CFF54998DD1A}"/>
+              </a:ext>
+            </a:extLst>
+          </p:cNvPr>
           <p:cNvSpPr>
             <a:spLocks noGrp="1"/>
           </p:cNvSpPr>
@@ -6247,15 +6436,21 @@
           <a:lstStyle/>
           <a:p>
             <a:r>
-              <a:rPr lang="hu-HU" dirty="0"/>
-              <a:t>Vírusírtók</a:t>
-            </a:r>
-          </a:p>
-        </p:txBody>
-      </p:sp>
-      <p:sp>
-        <p:nvSpPr>
-          <p:cNvPr id="3" name="Tartalom helye 2"/>
+              <a:rPr lang="hu-HU"/>
+              <a:t>Gépház és tartalmainak karbantartása</a:t>
+            </a:r>
+          </a:p>
+        </p:txBody>
+      </p:sp>
+      <p:sp>
+        <p:nvSpPr>
+          <p:cNvPr id="3" name="Tartalom helye 2">
+            <a:extLst>
+              <a:ext uri="{FF2B5EF4-FFF2-40B4-BE49-F238E27FC236}">
+                <a16:creationId xmlns:a16="http://schemas.microsoft.com/office/drawing/2014/main" id="{2F343D58-E373-44F1-0B6B-F36CB6BEA6C7}"/>
+              </a:ext>
+            </a:extLst>
+          </p:cNvPr>
           <p:cNvSpPr>
             <a:spLocks noGrp="1"/>
           </p:cNvSpPr>
@@ -6275,37 +6470,43 @@
           </a:bodyPr>
           <a:lstStyle/>
           <a:p>
-            <a:r>
-              <a:rPr lang="hu-HU" dirty="0">
-                <a:effectLst/>
-              </a:rPr>
-              <a:t> </a:t>
-            </a:r>
-            <a:r>
-              <a:rPr lang="hu-HU" b="1" dirty="0">
-                <a:effectLst/>
-              </a:rPr>
-              <a:t>Vírusirtó = Antivírus program</a:t>
-            </a:r>
-          </a:p>
-          <a:p>
-            <a:r>
-              <a:rPr lang="hu-HU" b="1" dirty="0">
-                <a:effectLst/>
-              </a:rPr>
-              <a:t>Ellenfelei</a:t>
-            </a:r>
-          </a:p>
-          <a:p>
-            <a:r>
-              <a:rPr lang="hu-HU" b="1" dirty="0">
-                <a:effectLst/>
-              </a:rPr>
-              <a:t>Két fajta alapelv:  Reaktív és heurisztikus</a:t>
-            </a:r>
-          </a:p>
-          <a:p>
-            <a:endParaRPr lang="hu-HU" dirty="0"/>
+            <a:pPr>
+              <a:buFont typeface="Wingdings" panose="05000000000000000000" pitchFamily="2" charset="2"/>
+              <a:buChar char="Ø"/>
+            </a:pPr>
+            <a:r>
+              <a:rPr lang="hu-HU" sz="3600" dirty="0"/>
+              <a:t>Miért fontos?</a:t>
+            </a:r>
+          </a:p>
+          <a:p>
+            <a:pPr>
+              <a:buFont typeface="Wingdings" panose="05000000000000000000" pitchFamily="2" charset="2"/>
+              <a:buChar char="Ø"/>
+            </a:pPr>
+            <a:r>
+              <a:rPr lang="hu-HU" sz="3600" dirty="0" err="1"/>
+              <a:t>Thermal</a:t>
+            </a:r>
+            <a:r>
+              <a:rPr lang="hu-HU" sz="3600" dirty="0"/>
+              <a:t> </a:t>
+            </a:r>
+            <a:r>
+              <a:rPr lang="hu-HU" sz="3600" dirty="0" err="1"/>
+              <a:t>throttling</a:t>
+            </a:r>
+            <a:endParaRPr lang="hu-HU" sz="3600" dirty="0"/>
+          </a:p>
+          <a:p>
+            <a:pPr>
+              <a:buFont typeface="Wingdings" panose="05000000000000000000" pitchFamily="2" charset="2"/>
+              <a:buChar char="Ø"/>
+            </a:pPr>
+            <a:r>
+              <a:rPr lang="hu-HU" sz="3600" dirty="0"/>
+              <a:t>Szükséges eszközök</a:t>
+            </a:r>
           </a:p>
         </p:txBody>
       </p:sp>
@@ -6314,7 +6515,7 @@
           <p:cNvPr id="5" name="Kép 4">
             <a:extLst>
               <a:ext uri="{FF2B5EF4-FFF2-40B4-BE49-F238E27FC236}">
-                <a16:creationId xmlns:a16="http://schemas.microsoft.com/office/drawing/2014/main" id="{ED5B375E-9F4B-BD13-3CE1-8DAA8E293091}"/>
+                <a16:creationId xmlns:a16="http://schemas.microsoft.com/office/drawing/2014/main" id="{EA3FCBED-1752-182F-BAA3-93DCC5AE5B8B}"/>
               </a:ext>
             </a:extLst>
           </p:cNvPr>
@@ -6323,7 +6524,7 @@
           </p:cNvPicPr>
           <p:nvPr/>
         </p:nvPicPr>
-        <p:blipFill>
+        <p:blipFill rotWithShape="1">
           <a:blip r:embed="rId3">
             <a:extLst>
               <a:ext uri="{28A0092B-C50C-407E-A947-70E740481C1C}">
@@ -6331,14 +6532,13 @@
               </a:ext>
             </a:extLst>
           </a:blip>
-          <a:stretch>
-            <a:fillRect/>
-          </a:stretch>
+          <a:srcRect l="8971" r="3862" b="1"/>
+          <a:stretch/>
         </p:blipFill>
         <p:spPr>
           <a:xfrm>
-            <a:off x="6357257" y="2290051"/>
-            <a:ext cx="4833257" cy="3334947"/>
+            <a:off x="6357257" y="2210935"/>
+            <a:ext cx="4833257" cy="3493180"/>
           </a:xfrm>
           <a:prstGeom prst="rect">
             <a:avLst/>
@@ -6369,10 +6569,10 @@
       </p:pic>
       <p:sp>
         <p:nvSpPr>
-          <p:cNvPr id="6" name="Szövegdoboz 5">
+          <p:cNvPr id="7" name="Szövegdoboz 6">
             <a:extLst>
               <a:ext uri="{FF2B5EF4-FFF2-40B4-BE49-F238E27FC236}">
-                <a16:creationId xmlns:a16="http://schemas.microsoft.com/office/drawing/2014/main" id="{6DAB6E2D-6DCA-AD78-0F52-4EB1D47BF2C9}"/>
+                <a16:creationId xmlns:a16="http://schemas.microsoft.com/office/drawing/2014/main" id="{1590AE68-483C-C521-2A30-26C233A4F6F8}"/>
               </a:ext>
             </a:extLst>
           </p:cNvPr>
@@ -6381,8 +6581,8 @@
         </p:nvSpPr>
         <p:spPr>
           <a:xfrm>
-            <a:off x="6264613" y="5744092"/>
-            <a:ext cx="5013592" cy="246221"/>
+            <a:off x="6471107" y="5791200"/>
+            <a:ext cx="4605556" cy="246221"/>
           </a:xfrm>
           <a:prstGeom prst="rect">
             <a:avLst/>
@@ -6396,8 +6596,14 @@
           <a:lstStyle/>
           <a:p>
             <a:r>
+              <a:rPr lang="hu-HU" sz="1000" dirty="0">
+                <a:hlinkClick r:id="rId4"/>
+              </a:rPr>
+              <a:t>https://tinyurl.com/bdzxw9w9</a:t>
+            </a:r>
+            <a:r>
               <a:rPr lang="hu-HU" sz="1000" dirty="0"/>
-              <a:t>https://www.eset.com/hu/otthoni/antivirus/</a:t>
+              <a:t> </a:t>
             </a:r>
           </a:p>
         </p:txBody>
@@ -6405,7 +6611,7 @@
     </p:spTree>
     <p:extLst>
       <p:ext uri="{BB962C8B-B14F-4D97-AF65-F5344CB8AC3E}">
-        <p14:creationId xmlns:p14="http://schemas.microsoft.com/office/powerpoint/2010/main" val="3153710145"/>
+        <p14:creationId xmlns:p14="http://schemas.microsoft.com/office/powerpoint/2010/main" val="3364181585"/>
       </p:ext>
     </p:extLst>
   </p:cSld>
@@ -6434,7 +6640,13 @@
       </p:grpSpPr>
       <p:sp>
         <p:nvSpPr>
-          <p:cNvPr id="2" name="Cím 1"/>
+          <p:cNvPr id="2" name="Cím 1">
+            <a:extLst>
+              <a:ext uri="{FF2B5EF4-FFF2-40B4-BE49-F238E27FC236}">
+                <a16:creationId xmlns:a16="http://schemas.microsoft.com/office/drawing/2014/main" id="{DFE30670-D797-4C6D-A098-1155044816BE}"/>
+              </a:ext>
+            </a:extLst>
+          </p:cNvPr>
           <p:cNvSpPr>
             <a:spLocks noGrp="1"/>
           </p:cNvSpPr>
@@ -6449,14 +6661,20 @@
           <a:p>
             <a:r>
               <a:rPr lang="hu-HU" dirty="0"/>
-              <a:t>Tűzfal</a:t>
-            </a:r>
-          </a:p>
-        </p:txBody>
-      </p:sp>
-      <p:sp>
-        <p:nvSpPr>
-          <p:cNvPr id="3" name="Tartalom helye 2"/>
+              <a:t>Tisztítás</a:t>
+            </a:r>
+          </a:p>
+        </p:txBody>
+      </p:sp>
+      <p:sp>
+        <p:nvSpPr>
+          <p:cNvPr id="3" name="Tartalom helye 2">
+            <a:extLst>
+              <a:ext uri="{FF2B5EF4-FFF2-40B4-BE49-F238E27FC236}">
+                <a16:creationId xmlns:a16="http://schemas.microsoft.com/office/drawing/2014/main" id="{481C27CD-8EA8-37BA-CC57-0980CD83EB51}"/>
+              </a:ext>
+            </a:extLst>
+          </p:cNvPr>
           <p:cNvSpPr>
             <a:spLocks noGrp="1"/>
           </p:cNvSpPr>
@@ -6470,36 +6688,40 @@
           <a:lstStyle/>
           <a:p>
             <a:r>
-              <a:rPr lang="hu-HU" dirty="0"/>
-              <a:t>Szoftveres: proxyszűrő</a:t>
-            </a:r>
-          </a:p>
-          <a:p>
-            <a:r>
-              <a:rPr lang="hu-HU" dirty="0"/>
-              <a:t>Hardveres: router, proxy</a:t>
-            </a:r>
-          </a:p>
-          <a:p>
-            <a:r>
-              <a:rPr lang="hu-HU" dirty="0"/>
-              <a:t>Felügyelő</a:t>
-            </a:r>
-          </a:p>
-          <a:p>
-            <a:r>
-              <a:rPr lang="hu-HU" dirty="0"/>
-              <a:t>Akadály</a:t>
-            </a:r>
+              <a:rPr lang="hu-HU" sz="3200" dirty="0"/>
+              <a:t>Áramtalanítás</a:t>
+            </a:r>
+          </a:p>
+          <a:p>
+            <a:r>
+              <a:rPr lang="hu-HU" sz="3200" dirty="0"/>
+              <a:t>Szétszedés</a:t>
+            </a:r>
+          </a:p>
+          <a:p>
+            <a:r>
+              <a:rPr lang="hu-HU" sz="3200" dirty="0"/>
+              <a:t>Portalanítás</a:t>
+            </a:r>
+          </a:p>
+          <a:p>
+            <a:r>
+              <a:rPr lang="hu-HU" sz="3200" dirty="0" err="1"/>
+              <a:t>Pasztázás</a:t>
+            </a:r>
+            <a:endParaRPr lang="hu-HU" sz="3200" dirty="0"/>
+          </a:p>
+          <a:p>
+            <a:endParaRPr lang="hu-HU" dirty="0"/>
           </a:p>
         </p:txBody>
       </p:sp>
       <p:pic>
         <p:nvPicPr>
-          <p:cNvPr id="5" name="Kép 4">
+          <p:cNvPr id="5" name="Kép 4" descr="A képen fegyver látható&#10;&#10;Automatikusan generált leírás">
             <a:extLst>
               <a:ext uri="{FF2B5EF4-FFF2-40B4-BE49-F238E27FC236}">
-                <a16:creationId xmlns:a16="http://schemas.microsoft.com/office/drawing/2014/main" id="{3D8877A4-5D52-2904-81C3-272808785FC3}"/>
+                <a16:creationId xmlns:a16="http://schemas.microsoft.com/office/drawing/2014/main" id="{633ED6AC-A7AC-6DB0-5A82-705FA8A718D3}"/>
               </a:ext>
             </a:extLst>
           </p:cNvPr>
@@ -6522,8 +6744,8 @@
         </p:blipFill>
         <p:spPr>
           <a:xfrm>
-            <a:off x="7075971" y="2276314"/>
-            <a:ext cx="4191585" cy="2305372"/>
+            <a:off x="7298422" y="2365480"/>
+            <a:ext cx="4414444" cy="3313430"/>
           </a:xfrm>
           <a:prstGeom prst="rect">
             <a:avLst/>
@@ -6535,7 +6757,7 @@
           <p:cNvPr id="6" name="Szövegdoboz 5">
             <a:extLst>
               <a:ext uri="{FF2B5EF4-FFF2-40B4-BE49-F238E27FC236}">
-                <a16:creationId xmlns:a16="http://schemas.microsoft.com/office/drawing/2014/main" id="{9814358B-8AA3-E0E4-1562-1B171B6FC7FB}"/>
+                <a16:creationId xmlns:a16="http://schemas.microsoft.com/office/drawing/2014/main" id="{9A232261-3A81-50C0-6F1C-668E5650B9F0}"/>
               </a:ext>
             </a:extLst>
           </p:cNvPr>
@@ -6544,8 +6766,8 @@
         </p:nvSpPr>
         <p:spPr>
           <a:xfrm>
-            <a:off x="7075971" y="4484451"/>
-            <a:ext cx="4191585" cy="369332"/>
+            <a:off x="7306811" y="5729681"/>
+            <a:ext cx="4345497" cy="246221"/>
           </a:xfrm>
           <a:prstGeom prst="rect">
             <a:avLst/>
@@ -6559,8 +6781,14 @@
           <a:lstStyle/>
           <a:p>
             <a:r>
-              <a:rPr lang="hu-HU" sz="900" dirty="0"/>
-              <a:t>https://www.wikiwand.com/hu/T%C5%B1zfal_%28sz%C3%A1m%C3%ADt%C3%A1stechnika%29</a:t>
+              <a:rPr lang="hu-HU" sz="1000" dirty="0">
+                <a:hlinkClick r:id="rId3"/>
+              </a:rPr>
+              <a:t>https://tinyurl.com/29pw9mfw</a:t>
+            </a:r>
+            <a:r>
+              <a:rPr lang="hu-HU" sz="1000" dirty="0"/>
+              <a:t> </a:t>
             </a:r>
           </a:p>
         </p:txBody>
@@ -6568,7 +6796,7 @@
     </p:spTree>
     <p:extLst>
       <p:ext uri="{BB962C8B-B14F-4D97-AF65-F5344CB8AC3E}">
-        <p14:creationId xmlns:p14="http://schemas.microsoft.com/office/powerpoint/2010/main" val="4083332724"/>
+        <p14:creationId xmlns:p14="http://schemas.microsoft.com/office/powerpoint/2010/main" val="615344345"/>
       </p:ext>
     </p:extLst>
   </p:cSld>
@@ -6579,6 +6807,199 @@
 </file>
 
 <file path=ppt/slides/slide6.xml><?xml version="1.0" encoding="utf-8"?>
+<p:sld xmlns:a="http://schemas.openxmlformats.org/drawingml/2006/main" xmlns:r="http://schemas.openxmlformats.org/officeDocument/2006/relationships" xmlns:p="http://schemas.openxmlformats.org/presentationml/2006/main">
+  <p:cSld>
+    <p:spTree>
+      <p:nvGrpSpPr>
+        <p:cNvPr id="1" name=""/>
+        <p:cNvGrpSpPr/>
+        <p:nvPr/>
+      </p:nvGrpSpPr>
+      <p:grpSpPr>
+        <a:xfrm>
+          <a:off x="0" y="0"/>
+          <a:ext cx="0" cy="0"/>
+          <a:chOff x="0" y="0"/>
+          <a:chExt cx="0" cy="0"/>
+        </a:xfrm>
+      </p:grpSpPr>
+      <p:sp>
+        <p:nvSpPr>
+          <p:cNvPr id="2" name="Cím 1">
+            <a:extLst>
+              <a:ext uri="{FF2B5EF4-FFF2-40B4-BE49-F238E27FC236}">
+                <a16:creationId xmlns:a16="http://schemas.microsoft.com/office/drawing/2014/main" id="{6A6E4FEB-8A69-84B1-B898-F4EFBAD5F6F5}"/>
+              </a:ext>
+            </a:extLst>
+          </p:cNvPr>
+          <p:cNvSpPr>
+            <a:spLocks noGrp="1"/>
+          </p:cNvSpPr>
+          <p:nvPr>
+            <p:ph type="title"/>
+          </p:nvPr>
+        </p:nvSpPr>
+        <p:spPr/>
+        <p:txBody>
+          <a:bodyPr>
+            <a:normAutofit/>
+          </a:bodyPr>
+          <a:lstStyle/>
+          <a:p>
+            <a:r>
+              <a:rPr lang="hu-HU" sz="4000" dirty="0"/>
+              <a:t>Mentés</a:t>
+            </a:r>
+          </a:p>
+        </p:txBody>
+      </p:sp>
+      <p:sp>
+        <p:nvSpPr>
+          <p:cNvPr id="3" name="Tartalom helye 2">
+            <a:extLst>
+              <a:ext uri="{FF2B5EF4-FFF2-40B4-BE49-F238E27FC236}">
+                <a16:creationId xmlns:a16="http://schemas.microsoft.com/office/drawing/2014/main" id="{86C235B9-53AE-B858-C15A-59D121636D6B}"/>
+              </a:ext>
+            </a:extLst>
+          </p:cNvPr>
+          <p:cNvSpPr>
+            <a:spLocks noGrp="1"/>
+          </p:cNvSpPr>
+          <p:nvPr>
+            <p:ph idx="1"/>
+          </p:nvPr>
+        </p:nvSpPr>
+        <p:spPr/>
+        <p:txBody>
+          <a:bodyPr>
+            <a:normAutofit/>
+          </a:bodyPr>
+          <a:lstStyle/>
+          <a:p>
+            <a:pPr>
+              <a:buFont typeface="Wingdings" panose="05000000000000000000" pitchFamily="2" charset="2"/>
+              <a:buChar char="Ø"/>
+            </a:pPr>
+            <a:r>
+              <a:rPr lang="hu-HU" sz="2800" dirty="0" err="1"/>
+              <a:t>Full</a:t>
+            </a:r>
+            <a:r>
+              <a:rPr lang="hu-HU" sz="2800" dirty="0"/>
+              <a:t>, </a:t>
+            </a:r>
+            <a:r>
+              <a:rPr lang="hu-HU" sz="2800" dirty="0" err="1"/>
+              <a:t>Incremental</a:t>
+            </a:r>
+            <a:r>
+              <a:rPr lang="hu-HU" sz="2800" dirty="0"/>
+              <a:t>, </a:t>
+            </a:r>
+            <a:r>
+              <a:rPr lang="hu-HU" sz="2800" dirty="0" err="1"/>
+              <a:t>Partial</a:t>
+            </a:r>
+            <a:r>
+              <a:rPr lang="hu-HU" sz="2800" dirty="0"/>
+              <a:t>, </a:t>
+            </a:r>
+            <a:r>
+              <a:rPr lang="hu-HU" sz="2800" dirty="0" err="1"/>
+              <a:t>Zero</a:t>
+            </a:r>
+            <a:r>
+              <a:rPr lang="hu-HU" sz="2800" dirty="0"/>
+              <a:t> </a:t>
+            </a:r>
+            <a:r>
+              <a:rPr lang="hu-HU" sz="2800" dirty="0" err="1"/>
+              <a:t>day</a:t>
+            </a:r>
+            <a:endParaRPr lang="hu-HU" sz="2800" dirty="0"/>
+          </a:p>
+          <a:p>
+            <a:pPr>
+              <a:buFont typeface="Wingdings" panose="05000000000000000000" pitchFamily="2" charset="2"/>
+              <a:buChar char="Ø"/>
+            </a:pPr>
+            <a:r>
+              <a:rPr lang="hu-HU" sz="2800" dirty="0"/>
+              <a:t>Rendszerint</a:t>
+            </a:r>
+          </a:p>
+          <a:p>
+            <a:pPr>
+              <a:buFont typeface="Wingdings" panose="05000000000000000000" pitchFamily="2" charset="2"/>
+              <a:buChar char="Ø"/>
+            </a:pPr>
+            <a:r>
+              <a:rPr lang="hu-HU" sz="2800" dirty="0"/>
+              <a:t>Két példány</a:t>
+            </a:r>
+          </a:p>
+          <a:p>
+            <a:pPr>
+              <a:buFont typeface="Wingdings" panose="05000000000000000000" pitchFamily="2" charset="2"/>
+              <a:buChar char="Ø"/>
+            </a:pPr>
+            <a:r>
+              <a:rPr lang="hu-HU" sz="2800" dirty="0"/>
+              <a:t>Automatizálás</a:t>
+            </a:r>
+          </a:p>
+        </p:txBody>
+      </p:sp>
+      <p:pic>
+        <p:nvPicPr>
+          <p:cNvPr id="5" name="Kép 4" descr="A képen szöveg, elektronika, számítógép látható&#10;&#10;Automatikusan generált leírás">
+            <a:extLst>
+              <a:ext uri="{FF2B5EF4-FFF2-40B4-BE49-F238E27FC236}">
+                <a16:creationId xmlns:a16="http://schemas.microsoft.com/office/drawing/2014/main" id="{9694830A-D65E-50D3-F73E-4C049AAAC56E}"/>
+              </a:ext>
+            </a:extLst>
+          </p:cNvPr>
+          <p:cNvPicPr>
+            <a:picLocks noChangeAspect="1"/>
+          </p:cNvPicPr>
+          <p:nvPr/>
+        </p:nvPicPr>
+        <p:blipFill>
+          <a:blip r:embed="rId2" cstate="print">
+            <a:extLst>
+              <a:ext uri="{28A0092B-C50C-407E-A947-70E740481C1C}">
+                <a14:useLocalDpi xmlns:a14="http://schemas.microsoft.com/office/drawing/2010/main" val="0"/>
+              </a:ext>
+            </a:extLst>
+          </a:blip>
+          <a:stretch>
+            <a:fillRect/>
+          </a:stretch>
+        </p:blipFill>
+        <p:spPr>
+          <a:xfrm>
+            <a:off x="7536754" y="2313424"/>
+            <a:ext cx="4312479" cy="4312479"/>
+          </a:xfrm>
+          <a:prstGeom prst="rect">
+            <a:avLst/>
+          </a:prstGeom>
+        </p:spPr>
+      </p:pic>
+    </p:spTree>
+    <p:extLst>
+      <p:ext uri="{BB962C8B-B14F-4D97-AF65-F5344CB8AC3E}">
+        <p14:creationId xmlns:p14="http://schemas.microsoft.com/office/powerpoint/2010/main" val="754512109"/>
+      </p:ext>
+    </p:extLst>
+  </p:cSld>
+  <p:clrMapOvr>
+    <a:masterClrMapping/>
+  </p:clrMapOvr>
+</p:sld>
+</file>
+
+<file path=ppt/slides/slide7.xml><?xml version="1.0" encoding="utf-8"?>
 <p:sld xmlns:a="http://schemas.openxmlformats.org/drawingml/2006/main" xmlns:r="http://schemas.openxmlformats.org/officeDocument/2006/relationships" xmlns:p="http://schemas.openxmlformats.org/presentationml/2006/main">
   <p:cSld>
     <p:bg>
@@ -6629,8 +7050,8 @@
         </p:nvSpPr>
         <p:spPr>
           <a:xfrm>
-            <a:off x="913795" y="609600"/>
-            <a:ext cx="10353761" cy="1326321"/>
+            <a:off x="6513534" y="609600"/>
+            <a:ext cx="4754022" cy="1326321"/>
           </a:xfrm>
         </p:spPr>
         <p:txBody>
@@ -6640,60 +7061,18 @@
           <a:lstStyle/>
           <a:p>
             <a:r>
-              <a:rPr lang="hu-HU"/>
-              <a:t>Kártevők</a:t>
-            </a:r>
-            <a:endParaRPr lang="hu-HU" dirty="0"/>
-          </a:p>
-        </p:txBody>
-      </p:sp>
-      <p:sp>
-        <p:nvSpPr>
-          <p:cNvPr id="3" name="Tartalom helye 2"/>
-          <p:cNvSpPr>
-            <a:spLocks noGrp="1"/>
-          </p:cNvSpPr>
-          <p:nvPr>
-            <p:ph idx="1"/>
-          </p:nvPr>
-        </p:nvSpPr>
-        <p:spPr>
-          <a:xfrm>
-            <a:off x="913795" y="2096064"/>
-            <a:ext cx="5016860" cy="3695136"/>
-          </a:xfrm>
-        </p:spPr>
-        <p:txBody>
-          <a:bodyPr>
-            <a:normAutofit/>
-          </a:bodyPr>
-          <a:lstStyle/>
-          <a:p>
-            <a:r>
-              <a:rPr lang="hu-HU" dirty="0"/>
-              <a:t>Trójai programok</a:t>
-            </a:r>
-          </a:p>
-          <a:p>
-            <a:r>
-              <a:rPr lang="hu-HU" dirty="0"/>
-              <a:t>Számítógépes vírusok</a:t>
-            </a:r>
-          </a:p>
-          <a:p>
-            <a:r>
-              <a:rPr lang="hu-HU" dirty="0"/>
-              <a:t>Férgek</a:t>
+              <a:rPr lang="hu-HU" sz="4000" dirty="0"/>
+              <a:t>Szoftveresen</a:t>
             </a:r>
           </a:p>
         </p:txBody>
       </p:sp>
       <p:pic>
         <p:nvPicPr>
-          <p:cNvPr id="8" name="Kép 7" descr="A képen elektronika, számítógép, megjelenítés látható&#10;&#10;Automatikusan generált leírás">
+          <p:cNvPr id="5" name="Kép 4">
             <a:extLst>
               <a:ext uri="{FF2B5EF4-FFF2-40B4-BE49-F238E27FC236}">
-                <a16:creationId xmlns:a16="http://schemas.microsoft.com/office/drawing/2014/main" id="{7D6674FF-1160-1C84-B988-825D23E3BCF1}"/>
+                <a16:creationId xmlns:a16="http://schemas.microsoft.com/office/drawing/2014/main" id="{B608526B-927E-B236-23FF-3DAAC4BE5153}"/>
               </a:ext>
             </a:extLst>
           </p:cNvPr>
@@ -6702,7 +7081,7 @@
           </p:cNvPicPr>
           <p:nvPr/>
         </p:nvPicPr>
-        <p:blipFill>
+        <p:blipFill rotWithShape="1">
           <a:blip r:embed="rId3">
             <a:extLst>
               <a:ext uri="{28A0092B-C50C-407E-A947-70E740481C1C}">
@@ -6710,16 +7089,101 @@
               </a:ext>
             </a:extLst>
           </a:blip>
-          <a:stretch>
-            <a:fillRect/>
-          </a:stretch>
+          <a:srcRect l="19402" r="21487"/>
+          <a:stretch/>
         </p:blipFill>
         <p:spPr>
           <a:xfrm>
-            <a:off x="6357257" y="2543798"/>
-            <a:ext cx="4833257" cy="2827454"/>
+            <a:off x="20" y="10"/>
+            <a:ext cx="6095980" cy="6857990"/>
           </a:xfrm>
           <a:prstGeom prst="rect">
+            <a:avLst/>
+          </a:prstGeom>
+        </p:spPr>
+      </p:pic>
+      <p:sp>
+        <p:nvSpPr>
+          <p:cNvPr id="3" name="Tartalom helye 2"/>
+          <p:cNvSpPr>
+            <a:spLocks noGrp="1"/>
+          </p:cNvSpPr>
+          <p:nvPr>
+            <p:ph idx="1"/>
+          </p:nvPr>
+        </p:nvSpPr>
+        <p:spPr>
+          <a:xfrm>
+            <a:off x="6513534" y="2096064"/>
+            <a:ext cx="4754022" cy="3695136"/>
+          </a:xfrm>
+        </p:spPr>
+        <p:txBody>
+          <a:bodyPr>
+            <a:normAutofit/>
+          </a:bodyPr>
+          <a:lstStyle/>
+          <a:p>
+            <a:pPr>
+              <a:buFont typeface="Wingdings" panose="05000000000000000000" pitchFamily="2" charset="2"/>
+              <a:buChar char="Ø"/>
+            </a:pPr>
+            <a:r>
+              <a:rPr lang="hu-HU" sz="3200" dirty="0"/>
+              <a:t>Jelszók</a:t>
+            </a:r>
+          </a:p>
+          <a:p>
+            <a:pPr>
+              <a:buFont typeface="Wingdings" panose="05000000000000000000" pitchFamily="2" charset="2"/>
+              <a:buChar char="Ø"/>
+            </a:pPr>
+            <a:r>
+              <a:rPr lang="hu-HU" sz="3200" dirty="0"/>
+              <a:t>Vírusírtók</a:t>
+            </a:r>
+          </a:p>
+          <a:p>
+            <a:pPr>
+              <a:buFont typeface="Wingdings" panose="05000000000000000000" pitchFamily="2" charset="2"/>
+              <a:buChar char="Ø"/>
+            </a:pPr>
+            <a:r>
+              <a:rPr lang="hu-HU" sz="3200" dirty="0"/>
+              <a:t>Tűzfal</a:t>
+            </a:r>
+          </a:p>
+        </p:txBody>
+      </p:sp>
+      <p:cxnSp>
+        <p:nvCxnSpPr>
+          <p:cNvPr id="10" name="Straight Connector 9">
+            <a:extLst>
+              <a:ext uri="{FF2B5EF4-FFF2-40B4-BE49-F238E27FC236}">
+                <a16:creationId xmlns:a16="http://schemas.microsoft.com/office/drawing/2014/main" id="{E0DCF65E-F84E-483D-83D7-A1616D569143}"/>
+              </a:ext>
+              <a:ext uri="{C183D7F6-B498-43B3-948B-1728B52AA6E4}">
+                <adec:decorative xmlns:adec="http://schemas.microsoft.com/office/drawing/2017/decorative" val="1"/>
+              </a:ext>
+            </a:extLst>
+          </p:cNvPr>
+          <p:cNvCxnSpPr>
+            <a:cxnSpLocks noGrp="1" noRot="1" noChangeAspect="1" noMove="1" noResize="1" noEditPoints="1" noAdjustHandles="1" noChangeArrowheads="1" noChangeShapeType="1"/>
+          </p:cNvCxnSpPr>
+          <p:nvPr>
+            <p:extLst>
+              <p:ext uri="{386F3935-93C4-4BCD-93E2-E3B085C9AB24}">
+                <p16:designElem xmlns:p16="http://schemas.microsoft.com/office/powerpoint/2015/main" val="1"/>
+              </p:ext>
+            </p:extLst>
+          </p:nvPr>
+        </p:nvCxnSpPr>
+        <p:spPr>
+          <a:xfrm>
+            <a:off x="6106560" y="45720"/>
+            <a:ext cx="0" cy="6766560"/>
+          </a:xfrm>
+          <a:prstGeom prst="line">
             <a:avLst/>
           </a:prstGeom>
           <a:ln w="190500" cap="sq">
@@ -6728,13 +7192,6 @@
             </a:solidFill>
             <a:miter lim="800000"/>
           </a:ln>
-          <a:effectLst>
-            <a:outerShdw blurRad="54991" dist="17780" dir="5400000" algn="ctr" rotWithShape="0">
-              <a:schemeClr val="bg1">
-                <a:alpha val="40000"/>
-              </a:schemeClr>
-            </a:outerShdw>
-          </a:effectLst>
           <a:scene3d>
             <a:camera prst="orthographicFront"/>
             <a:lightRig rig="twoPt" dir="t">
@@ -6745,13 +7202,27 @@
             <a:bevelT w="25400" h="19050"/>
           </a:sp3d>
         </p:spPr>
-      </p:pic>
-      <p:sp>
-        <p:nvSpPr>
-          <p:cNvPr id="9" name="Szövegdoboz 8">
+        <p:style>
+          <a:lnRef idx="1">
+            <a:schemeClr val="accent1"/>
+          </a:lnRef>
+          <a:fillRef idx="0">
+            <a:schemeClr val="accent1"/>
+          </a:fillRef>
+          <a:effectRef idx="0">
+            <a:schemeClr val="accent1"/>
+          </a:effectRef>
+          <a:fontRef idx="minor">
+            <a:schemeClr val="tx1"/>
+          </a:fontRef>
+        </p:style>
+      </p:cxnSp>
+      <p:sp>
+        <p:nvSpPr>
+          <p:cNvPr id="6" name="Szövegdoboz 5">
             <a:extLst>
               <a:ext uri="{FF2B5EF4-FFF2-40B4-BE49-F238E27FC236}">
-                <a16:creationId xmlns:a16="http://schemas.microsoft.com/office/drawing/2014/main" id="{9EDCF197-9F9D-F2AF-1ACA-FD29C58355D3}"/>
+                <a16:creationId xmlns:a16="http://schemas.microsoft.com/office/drawing/2014/main" id="{C39880E0-C43A-D53F-D964-E57BA3BE0D82}"/>
               </a:ext>
             </a:extLst>
           </p:cNvPr>
@@ -6760,8 +7231,8 @@
         </p:nvSpPr>
         <p:spPr>
           <a:xfrm>
-            <a:off x="6245157" y="5476672"/>
-            <a:ext cx="5016860" cy="369332"/>
+            <a:off x="-10540" y="6611779"/>
+            <a:ext cx="5981350" cy="246221"/>
           </a:xfrm>
           <a:prstGeom prst="rect">
             <a:avLst/>
@@ -6775,8 +7246,14 @@
           <a:lstStyle/>
           <a:p>
             <a:r>
-              <a:rPr lang="hu-HU" sz="900" dirty="0"/>
-              <a:t>https://computermania.hu/szamitogepes-virusok-eltavolitasa-ingyenes-kiszallassal-budapesten/</a:t>
+              <a:rPr lang="hu-HU" sz="1000" dirty="0">
+                <a:hlinkClick r:id="rId4"/>
+              </a:rPr>
+              <a:t>https://tinyurl.com/4ruxebh9</a:t>
+            </a:r>
+            <a:r>
+              <a:rPr lang="hu-HU" sz="1000" dirty="0"/>
+              <a:t> </a:t>
             </a:r>
           </a:p>
         </p:txBody>
@@ -6784,201 +7261,7 @@
     </p:spTree>
     <p:extLst>
       <p:ext uri="{BB962C8B-B14F-4D97-AF65-F5344CB8AC3E}">
-        <p14:creationId xmlns:p14="http://schemas.microsoft.com/office/powerpoint/2010/main" val="2735052686"/>
-      </p:ext>
-    </p:extLst>
-  </p:cSld>
-  <p:clrMapOvr>
-    <a:masterClrMapping/>
-  </p:clrMapOvr>
-</p:sld>
-</file>
-
-<file path=ppt/slides/slide7.xml><?xml version="1.0" encoding="utf-8"?>
-<p:sld xmlns:a="http://schemas.openxmlformats.org/drawingml/2006/main" xmlns:r="http://schemas.openxmlformats.org/officeDocument/2006/relationships" xmlns:p="http://schemas.openxmlformats.org/presentationml/2006/main">
-  <p:cSld>
-    <p:spTree>
-      <p:nvGrpSpPr>
-        <p:cNvPr id="1" name=""/>
-        <p:cNvGrpSpPr/>
-        <p:nvPr/>
-      </p:nvGrpSpPr>
-      <p:grpSpPr>
-        <a:xfrm>
-          <a:off x="0" y="0"/>
-          <a:ext cx="0" cy="0"/>
-          <a:chOff x="0" y="0"/>
-          <a:chExt cx="0" cy="0"/>
-        </a:xfrm>
-      </p:grpSpPr>
-      <p:sp>
-        <p:nvSpPr>
-          <p:cNvPr id="2" name="Cím 1"/>
-          <p:cNvSpPr>
-            <a:spLocks noGrp="1"/>
-          </p:cNvSpPr>
-          <p:nvPr>
-            <p:ph type="title"/>
-          </p:nvPr>
-        </p:nvSpPr>
-        <p:spPr/>
-        <p:txBody>
-          <a:bodyPr/>
-          <a:lstStyle/>
-          <a:p>
-            <a:r>
-              <a:rPr lang="hu-HU" dirty="0"/>
-              <a:t>Trójai programok</a:t>
-            </a:r>
-          </a:p>
-        </p:txBody>
-      </p:sp>
-      <p:pic>
-        <p:nvPicPr>
-          <p:cNvPr id="6" name="Tartalom helye 5" descr="A képen nyíl látható&#10;&#10;Automatikusan generált leírás">
-            <a:extLst>
-              <a:ext uri="{FF2B5EF4-FFF2-40B4-BE49-F238E27FC236}">
-                <a16:creationId xmlns:a16="http://schemas.microsoft.com/office/drawing/2014/main" id="{CEBA24D2-9D87-2012-FABA-8531CE7E927E}"/>
-              </a:ext>
-            </a:extLst>
-          </p:cNvPr>
-          <p:cNvPicPr>
-            <a:picLocks noGrp="1" noChangeAspect="1"/>
-          </p:cNvPicPr>
-          <p:nvPr>
-            <p:ph idx="1"/>
-          </p:nvPr>
-        </p:nvPicPr>
-        <p:blipFill>
-          <a:blip r:embed="rId2">
-            <a:extLst>
-              <a:ext uri="{28A0092B-C50C-407E-A947-70E740481C1C}">
-                <a14:useLocalDpi xmlns:a14="http://schemas.microsoft.com/office/drawing/2010/main" val="0"/>
-              </a:ext>
-            </a:extLst>
-          </a:blip>
-          <a:stretch>
-            <a:fillRect/>
-          </a:stretch>
-        </p:blipFill>
-        <p:spPr>
-          <a:xfrm>
-            <a:off x="6955811" y="2244151"/>
-            <a:ext cx="4098175" cy="2635135"/>
-          </a:xfrm>
-        </p:spPr>
-      </p:pic>
-      <p:sp>
-        <p:nvSpPr>
-          <p:cNvPr id="4" name="Szövegdoboz 3">
-            <a:extLst>
-              <a:ext uri="{FF2B5EF4-FFF2-40B4-BE49-F238E27FC236}">
-                <a16:creationId xmlns:a16="http://schemas.microsoft.com/office/drawing/2014/main" id="{FC262FD4-F3B9-0779-2895-468C4DD2BDC9}"/>
-              </a:ext>
-            </a:extLst>
-          </p:cNvPr>
-          <p:cNvSpPr txBox="1"/>
-          <p:nvPr/>
-        </p:nvSpPr>
-        <p:spPr>
-          <a:xfrm>
-            <a:off x="6955811" y="4879286"/>
-            <a:ext cx="3942826" cy="507831"/>
-          </a:xfrm>
-          <a:prstGeom prst="rect">
-            <a:avLst/>
-          </a:prstGeom>
-          <a:noFill/>
-        </p:spPr>
-        <p:txBody>
-          <a:bodyPr wrap="square" rtlCol="0">
-            <a:spAutoFit/>
-          </a:bodyPr>
-          <a:lstStyle/>
-          <a:p>
-            <a:r>
-              <a:rPr lang="hu-HU" sz="900" dirty="0"/>
-              <a:t>https://vasarnap.hu/2020/10/13/az-internet-sotet-lova-a-trojai-falo/</a:t>
-            </a:r>
-          </a:p>
-          <a:p>
-            <a:endParaRPr lang="hu-HU" dirty="0"/>
-          </a:p>
-        </p:txBody>
-      </p:sp>
-      <p:sp>
-        <p:nvSpPr>
-          <p:cNvPr id="7" name="Szövegdoboz 6">
-            <a:extLst>
-              <a:ext uri="{FF2B5EF4-FFF2-40B4-BE49-F238E27FC236}">
-                <a16:creationId xmlns:a16="http://schemas.microsoft.com/office/drawing/2014/main" id="{79551505-886D-8610-3116-1A2659268FF1}"/>
-              </a:ext>
-            </a:extLst>
-          </p:cNvPr>
-          <p:cNvSpPr txBox="1"/>
-          <p:nvPr/>
-        </p:nvSpPr>
-        <p:spPr>
-          <a:xfrm>
-            <a:off x="913795" y="2086923"/>
-            <a:ext cx="4672668" cy="1938992"/>
-          </a:xfrm>
-          <a:prstGeom prst="rect">
-            <a:avLst/>
-          </a:prstGeom>
-          <a:noFill/>
-        </p:spPr>
-        <p:txBody>
-          <a:bodyPr wrap="square" rtlCol="0">
-            <a:spAutoFit/>
-          </a:bodyPr>
-          <a:lstStyle/>
-          <a:p>
-            <a:pPr marL="285750" indent="-285750">
-              <a:buFont typeface="Arial" panose="020B0604020202020204" pitchFamily="34" charset="0"/>
-              <a:buChar char="•"/>
-            </a:pPr>
-            <a:r>
-              <a:rPr lang="hu-HU" sz="2400" dirty="0"/>
-              <a:t>Elnevezés</a:t>
-            </a:r>
-          </a:p>
-          <a:p>
-            <a:endParaRPr lang="hu-HU" sz="2400" dirty="0"/>
-          </a:p>
-          <a:p>
-            <a:pPr marL="285750" indent="-285750">
-              <a:buFont typeface="Arial" panose="020B0604020202020204" pitchFamily="34" charset="0"/>
-              <a:buChar char="•"/>
-            </a:pPr>
-            <a:r>
-              <a:rPr lang="hu-HU" sz="2400" dirty="0"/>
-              <a:t>Tulajdonságai</a:t>
-            </a:r>
-          </a:p>
-          <a:p>
-            <a:pPr marL="285750" indent="-285750">
-              <a:buFont typeface="Arial" panose="020B0604020202020204" pitchFamily="34" charset="0"/>
-              <a:buChar char="•"/>
-            </a:pPr>
-            <a:endParaRPr lang="hu-HU" sz="2400" dirty="0"/>
-          </a:p>
-          <a:p>
-            <a:pPr marL="285750" indent="-285750">
-              <a:buFont typeface="Arial" panose="020B0604020202020204" pitchFamily="34" charset="0"/>
-              <a:buChar char="•"/>
-            </a:pPr>
-            <a:r>
-              <a:rPr lang="hu-HU" sz="2400" dirty="0"/>
-              <a:t>Hátsó kapu</a:t>
-            </a:r>
-          </a:p>
-        </p:txBody>
-      </p:sp>
-    </p:spTree>
-    <p:extLst>
-      <p:ext uri="{BB962C8B-B14F-4D97-AF65-F5344CB8AC3E}">
-        <p14:creationId xmlns:p14="http://schemas.microsoft.com/office/powerpoint/2010/main" val="1777567529"/>
+        <p14:creationId xmlns:p14="http://schemas.microsoft.com/office/powerpoint/2010/main" val="1018265107"/>
       </p:ext>
     </p:extLst>
   </p:cSld>
@@ -7029,7 +7312,13 @@
       </p:grpSpPr>
       <p:sp>
         <p:nvSpPr>
-          <p:cNvPr id="2" name="Cím 1"/>
+          <p:cNvPr id="2" name="Cím 1">
+            <a:extLst>
+              <a:ext uri="{FF2B5EF4-FFF2-40B4-BE49-F238E27FC236}">
+                <a16:creationId xmlns:a16="http://schemas.microsoft.com/office/drawing/2014/main" id="{B4B8FD79-124E-25B9-5C25-01457B5AB4E9}"/>
+              </a:ext>
+            </a:extLst>
+          </p:cNvPr>
           <p:cNvSpPr>
             <a:spLocks noGrp="1"/>
           </p:cNvSpPr>
@@ -7039,8 +7328,8 @@
         </p:nvSpPr>
         <p:spPr>
           <a:xfrm>
-            <a:off x="8154444" y="609600"/>
-            <a:ext cx="3113112" cy="1326321"/>
+            <a:off x="913795" y="609600"/>
+            <a:ext cx="10353761" cy="1326321"/>
           </a:xfrm>
         </p:spPr>
         <p:txBody>
@@ -7049,20 +7338,98 @@
           </a:bodyPr>
           <a:lstStyle/>
           <a:p>
-            <a:pPr algn="l"/>
-            <a:r>
-              <a:rPr lang="hu-HU" sz="2600"/>
-              <a:t>Számítógépes vírusok</a:t>
+            <a:r>
+              <a:rPr lang="hu-HU" sz="4000" dirty="0"/>
+              <a:t>Jelszók</a:t>
+            </a:r>
+          </a:p>
+        </p:txBody>
+      </p:sp>
+      <p:sp>
+        <p:nvSpPr>
+          <p:cNvPr id="3" name="Tartalom helye 2">
+            <a:extLst>
+              <a:ext uri="{FF2B5EF4-FFF2-40B4-BE49-F238E27FC236}">
+                <a16:creationId xmlns:a16="http://schemas.microsoft.com/office/drawing/2014/main" id="{1B5F683F-39BB-92B5-E0A9-80616FDF68F3}"/>
+              </a:ext>
+            </a:extLst>
+          </p:cNvPr>
+          <p:cNvSpPr>
+            <a:spLocks noGrp="1"/>
+          </p:cNvSpPr>
+          <p:nvPr>
+            <p:ph idx="1"/>
+          </p:nvPr>
+        </p:nvSpPr>
+        <p:spPr>
+          <a:xfrm>
+            <a:off x="913795" y="2096064"/>
+            <a:ext cx="5016860" cy="3695136"/>
+          </a:xfrm>
+        </p:spPr>
+        <p:txBody>
+          <a:bodyPr>
+            <a:normAutofit/>
+          </a:bodyPr>
+          <a:lstStyle/>
+          <a:p>
+            <a:pPr>
+              <a:buFont typeface="Wingdings" panose="05000000000000000000" pitchFamily="2" charset="2"/>
+              <a:buChar char="Ø"/>
+            </a:pPr>
+            <a:r>
+              <a:rPr lang="hu-HU" sz="3200" dirty="0"/>
+              <a:t>Többfelhasználós</a:t>
+            </a:r>
+          </a:p>
+          <a:p>
+            <a:pPr>
+              <a:buFont typeface="Wingdings" panose="05000000000000000000" pitchFamily="2" charset="2"/>
+              <a:buChar char="Ø"/>
+            </a:pPr>
+            <a:r>
+              <a:rPr lang="hu-HU" sz="3200" dirty="0"/>
+              <a:t>Többfaktoros védelem</a:t>
+            </a:r>
+          </a:p>
+          <a:p>
+            <a:pPr>
+              <a:buFont typeface="Wingdings" panose="05000000000000000000" pitchFamily="2" charset="2"/>
+              <a:buChar char="Ø"/>
+            </a:pPr>
+            <a:r>
+              <a:rPr lang="hu-HU" sz="3200" dirty="0"/>
+              <a:t>80%</a:t>
+            </a:r>
+          </a:p>
+          <a:p>
+            <a:pPr>
+              <a:buFont typeface="Wingdings" panose="05000000000000000000" pitchFamily="2" charset="2"/>
+              <a:buChar char="Ø"/>
+            </a:pPr>
+            <a:r>
+              <a:rPr lang="hu-HU" sz="3200" dirty="0"/>
+              <a:t>Problémák</a:t>
+            </a:r>
+          </a:p>
+          <a:p>
+            <a:pPr>
+              <a:buFont typeface="Wingdings" panose="05000000000000000000" pitchFamily="2" charset="2"/>
+              <a:buChar char="Ø"/>
+            </a:pPr>
+            <a:r>
+              <a:rPr lang="hu-HU" sz="3200" dirty="0"/>
+              <a:t>Helyes használat</a:t>
             </a:r>
           </a:p>
         </p:txBody>
       </p:sp>
       <p:pic>
         <p:nvPicPr>
-          <p:cNvPr id="7" name="Kép 6" descr="A képen szöveg látható&#10;&#10;Automatikusan generált leírás">
+          <p:cNvPr id="5" name="Kép 4" descr="A képen szöveg látható&#10;&#10;Automatikusan generált leírás">
             <a:extLst>
               <a:ext uri="{FF2B5EF4-FFF2-40B4-BE49-F238E27FC236}">
-                <a16:creationId xmlns:a16="http://schemas.microsoft.com/office/drawing/2014/main" id="{C3DD1CB3-C7C5-2B1A-7B35-8F843DCC797A}"/>
+                <a16:creationId xmlns:a16="http://schemas.microsoft.com/office/drawing/2014/main" id="{34BDB3D2-BCD7-DBF1-9CE8-6B461CA3E573}"/>
               </a:ext>
             </a:extLst>
           </p:cNvPr>
@@ -7079,92 +7446,15 @@
               </a:ext>
             </a:extLst>
           </a:blip>
-          <a:srcRect l="17158" r="21167"/>
+          <a:srcRect l="7517" r="126" b="-1"/>
           <a:stretch/>
         </p:blipFill>
         <p:spPr>
           <a:xfrm>
-            <a:off x="20" y="10"/>
-            <a:ext cx="7552924" cy="6857990"/>
+            <a:off x="6357257" y="2210935"/>
+            <a:ext cx="4833257" cy="3493180"/>
           </a:xfrm>
           <a:prstGeom prst="rect">
-            <a:avLst/>
-          </a:prstGeom>
-        </p:spPr>
-      </p:pic>
-      <p:sp>
-        <p:nvSpPr>
-          <p:cNvPr id="3" name="Tartalom helye 2"/>
-          <p:cNvSpPr>
-            <a:spLocks noGrp="1"/>
-          </p:cNvSpPr>
-          <p:nvPr>
-            <p:ph idx="1"/>
-          </p:nvPr>
-        </p:nvSpPr>
-        <p:spPr>
-          <a:xfrm>
-            <a:off x="8154444" y="2096064"/>
-            <a:ext cx="3113112" cy="3695136"/>
-          </a:xfrm>
-        </p:spPr>
-        <p:txBody>
-          <a:bodyPr>
-            <a:normAutofit/>
-          </a:bodyPr>
-          <a:lstStyle/>
-          <a:p>
-            <a:r>
-              <a:rPr lang="hu-HU" sz="2400" dirty="0"/>
-              <a:t>Másolat</a:t>
-            </a:r>
-          </a:p>
-          <a:p>
-            <a:r>
-              <a:rPr lang="hu-HU" sz="2400" dirty="0"/>
-              <a:t>Terjedés</a:t>
-            </a:r>
-          </a:p>
-          <a:p>
-            <a:r>
-              <a:rPr lang="hu-HU" sz="2400" dirty="0"/>
-              <a:t>Fajtái</a:t>
-            </a:r>
-          </a:p>
-          <a:p>
-            <a:endParaRPr lang="hu-HU" sz="1800" dirty="0"/>
-          </a:p>
-        </p:txBody>
-      </p:sp>
-      <p:cxnSp>
-        <p:nvCxnSpPr>
-          <p:cNvPr id="12" name="Straight Connector 11">
-            <a:extLst>
-              <a:ext uri="{FF2B5EF4-FFF2-40B4-BE49-F238E27FC236}">
-                <a16:creationId xmlns:a16="http://schemas.microsoft.com/office/drawing/2014/main" id="{A4F35239-EB86-4ACB-91DE-4989620C2C1A}"/>
-              </a:ext>
-              <a:ext uri="{C183D7F6-B498-43B3-948B-1728B52AA6E4}">
-                <adec:decorative xmlns:adec="http://schemas.microsoft.com/office/drawing/2017/decorative" val="1"/>
-              </a:ext>
-            </a:extLst>
-          </p:cNvPr>
-          <p:cNvCxnSpPr>
-            <a:cxnSpLocks noGrp="1" noRot="1" noChangeAspect="1" noMove="1" noResize="1" noEditPoints="1" noAdjustHandles="1" noChangeArrowheads="1" noChangeShapeType="1"/>
-          </p:cNvCxnSpPr>
-          <p:nvPr>
-            <p:extLst>
-              <p:ext uri="{386F3935-93C4-4BCD-93E2-E3B085C9AB24}">
-                <p16:designElem xmlns:p16="http://schemas.microsoft.com/office/powerpoint/2015/main" val="1"/>
-              </p:ext>
-            </p:extLst>
-          </p:nvPr>
-        </p:nvCxnSpPr>
-        <p:spPr>
-          <a:xfrm>
-            <a:off x="7592090" y="45720"/>
-            <a:ext cx="0" cy="6766560"/>
-          </a:xfrm>
-          <a:prstGeom prst="line">
             <a:avLst/>
           </a:prstGeom>
           <a:ln w="190500" cap="sq">
@@ -7173,6 +7463,13 @@
             </a:solidFill>
             <a:miter lim="800000"/>
           </a:ln>
+          <a:effectLst>
+            <a:outerShdw blurRad="54991" dist="17780" dir="5400000" algn="ctr" rotWithShape="0">
+              <a:schemeClr val="bg1">
+                <a:alpha val="40000"/>
+              </a:schemeClr>
+            </a:outerShdw>
+          </a:effectLst>
           <a:scene3d>
             <a:camera prst="orthographicFront"/>
             <a:lightRig rig="twoPt" dir="t">
@@ -7183,60 +7480,11 @@
             <a:bevelT w="25400" h="19050"/>
           </a:sp3d>
         </p:spPr>
-        <p:style>
-          <a:lnRef idx="1">
-            <a:schemeClr val="accent1"/>
-          </a:lnRef>
-          <a:fillRef idx="0">
-            <a:schemeClr val="accent1"/>
-          </a:fillRef>
-          <a:effectRef idx="0">
-            <a:schemeClr val="accent1"/>
-          </a:effectRef>
-          <a:fontRef idx="minor">
-            <a:schemeClr val="tx1"/>
-          </a:fontRef>
-        </p:style>
-      </p:cxnSp>
-      <p:sp>
-        <p:nvSpPr>
-          <p:cNvPr id="8" name="Szövegdoboz 7">
-            <a:extLst>
-              <a:ext uri="{FF2B5EF4-FFF2-40B4-BE49-F238E27FC236}">
-                <a16:creationId xmlns:a16="http://schemas.microsoft.com/office/drawing/2014/main" id="{38ECB157-ECC1-332B-6170-F09FB42171C8}"/>
-              </a:ext>
-            </a:extLst>
-          </p:cNvPr>
-          <p:cNvSpPr txBox="1"/>
-          <p:nvPr/>
-        </p:nvSpPr>
-        <p:spPr>
-          <a:xfrm>
-            <a:off x="0" y="6627158"/>
-            <a:ext cx="7422201" cy="230832"/>
-          </a:xfrm>
-          <a:prstGeom prst="rect">
-            <a:avLst/>
-          </a:prstGeom>
-          <a:noFill/>
-        </p:spPr>
-        <p:txBody>
-          <a:bodyPr wrap="square" rtlCol="0">
-            <a:spAutoFit/>
-          </a:bodyPr>
-          <a:lstStyle/>
-          <a:p>
-            <a:r>
-              <a:rPr lang="hu-HU" sz="900" dirty="0"/>
-              <a:t>https://pcworld.hu/szoftver/emberekre-tamado-szamitogepes-virusok-eddy-willems-interju-148961.html</a:t>
-            </a:r>
-          </a:p>
-        </p:txBody>
-      </p:sp>
+      </p:pic>
     </p:spTree>
     <p:extLst>
       <p:ext uri="{BB962C8B-B14F-4D97-AF65-F5344CB8AC3E}">
-        <p14:creationId xmlns:p14="http://schemas.microsoft.com/office/powerpoint/2010/main" val="3013266601"/>
+        <p14:creationId xmlns:p14="http://schemas.microsoft.com/office/powerpoint/2010/main" val="2411420305"/>
       </p:ext>
     </p:extLst>
   </p:cSld>
@@ -7308,8 +7556,8 @@
           <a:lstStyle/>
           <a:p>
             <a:r>
-              <a:rPr lang="hu-HU" dirty="0"/>
-              <a:t>Férgek</a:t>
+              <a:rPr lang="hu-HU" sz="4000" dirty="0"/>
+              <a:t>Vírusírtók</a:t>
             </a:r>
           </a:p>
         </p:txBody>
@@ -7326,8 +7574,8 @@
         </p:nvSpPr>
         <p:spPr>
           <a:xfrm>
-            <a:off x="913795" y="2096064"/>
-            <a:ext cx="6352824" cy="3695136"/>
+            <a:off x="720848" y="2372900"/>
+            <a:ext cx="5016860" cy="3695136"/>
           </a:xfrm>
         </p:spPr>
         <p:txBody>
@@ -7336,25 +7584,96 @@
           </a:bodyPr>
           <a:lstStyle/>
           <a:p>
-            <a:r>
-              <a:rPr lang="hu-HU" dirty="0"/>
-              <a:t>Önsokszorosító</a:t>
-            </a:r>
-          </a:p>
-          <a:p>
-            <a:r>
-              <a:rPr lang="hu-HU" dirty="0"/>
-              <a:t>Használata</a:t>
+            <a:pPr>
+              <a:buFont typeface="Wingdings" panose="05000000000000000000" pitchFamily="2" charset="2"/>
+              <a:buChar char="Ø"/>
+            </a:pPr>
+            <a:r>
+              <a:rPr lang="hu-HU" sz="2800" dirty="0">
+                <a:effectLst/>
+              </a:rPr>
+              <a:t> </a:t>
+            </a:r>
+            <a:r>
+              <a:rPr lang="hu-HU" sz="2800" b="1" dirty="0">
+                <a:effectLst/>
+              </a:rPr>
+              <a:t>Vírusirtó = Antivírus program</a:t>
+            </a:r>
+          </a:p>
+          <a:p>
+            <a:pPr>
+              <a:buFont typeface="Wingdings" panose="05000000000000000000" pitchFamily="2" charset="2"/>
+              <a:buChar char="Ø"/>
+            </a:pPr>
+            <a:r>
+              <a:rPr lang="hu-HU" sz="2800" b="1" dirty="0">
+                <a:effectLst/>
+              </a:rPr>
+              <a:t>Ellenfelei: vírus, féreg, trójai faló</a:t>
+            </a:r>
+          </a:p>
+          <a:p>
+            <a:pPr>
+              <a:buFont typeface="Wingdings" panose="05000000000000000000" pitchFamily="2" charset="2"/>
+              <a:buChar char="Ø"/>
+            </a:pPr>
+            <a:r>
+              <a:rPr lang="hu-HU" sz="2800" b="1" dirty="0">
+                <a:effectLst/>
+              </a:rPr>
+              <a:t>Két alapelv:  Reaktív és Heurisztikus</a:t>
+            </a:r>
+          </a:p>
+        </p:txBody>
+      </p:sp>
+      <p:sp>
+        <p:nvSpPr>
+          <p:cNvPr id="6" name="Szövegdoboz 5">
+            <a:extLst>
+              <a:ext uri="{FF2B5EF4-FFF2-40B4-BE49-F238E27FC236}">
+                <a16:creationId xmlns:a16="http://schemas.microsoft.com/office/drawing/2014/main" id="{6DAB6E2D-6DCA-AD78-0F52-4EB1D47BF2C9}"/>
+              </a:ext>
+            </a:extLst>
+          </p:cNvPr>
+          <p:cNvSpPr txBox="1"/>
+          <p:nvPr/>
+        </p:nvSpPr>
+        <p:spPr>
+          <a:xfrm>
+            <a:off x="10099740" y="4337632"/>
+            <a:ext cx="2009651" cy="246221"/>
+          </a:xfrm>
+          <a:prstGeom prst="rect">
+            <a:avLst/>
+          </a:prstGeom>
+          <a:noFill/>
+        </p:spPr>
+        <p:txBody>
+          <a:bodyPr wrap="square" rtlCol="0">
+            <a:spAutoFit/>
+          </a:bodyPr>
+          <a:lstStyle/>
+          <a:p>
+            <a:r>
+              <a:rPr lang="hu-HU" sz="1000" dirty="0">
+                <a:hlinkClick r:id="rId3"/>
+              </a:rPr>
+              <a:t>https://tinyurl.com/2k3ez8nd</a:t>
+            </a:r>
+            <a:r>
+              <a:rPr lang="hu-HU" sz="1000" dirty="0"/>
+              <a:t> </a:t>
             </a:r>
           </a:p>
         </p:txBody>
       </p:sp>
       <p:pic>
         <p:nvPicPr>
-          <p:cNvPr id="5" name="Kép 4">
+          <p:cNvPr id="9" name="Kép 8" descr="A képen szöveg látható&#10;&#10;Automatikusan generált leírás">
             <a:extLst>
               <a:ext uri="{FF2B5EF4-FFF2-40B4-BE49-F238E27FC236}">
-                <a16:creationId xmlns:a16="http://schemas.microsoft.com/office/drawing/2014/main" id="{0F20CA7A-2267-CB4E-1502-35170D74E985}"/>
+                <a16:creationId xmlns:a16="http://schemas.microsoft.com/office/drawing/2014/main" id="{EE3DB578-734A-804E-99B9-09C0FAAE7CF9}"/>
               </a:ext>
             </a:extLst>
           </p:cNvPr>
@@ -7363,55 +7682,70 @@
           </p:cNvPicPr>
           <p:nvPr/>
         </p:nvPicPr>
-        <p:blipFill rotWithShape="1">
-          <a:blip r:embed="rId3">
+        <p:blipFill>
+          <a:blip r:embed="rId4">
             <a:extLst>
               <a:ext uri="{28A0092B-C50C-407E-A947-70E740481C1C}">
                 <a14:useLocalDpi xmlns:a14="http://schemas.microsoft.com/office/drawing/2010/main" val="0"/>
               </a:ext>
             </a:extLst>
           </a:blip>
-          <a:srcRect t="530" r="-5" b="-5"/>
-          <a:stretch/>
+          <a:stretch>
+            <a:fillRect/>
+          </a:stretch>
         </p:blipFill>
         <p:spPr>
           <a:xfrm>
-            <a:off x="7678736" y="2210935"/>
-            <a:ext cx="3511778" cy="3493180"/>
+            <a:off x="9800101" y="1480132"/>
+            <a:ext cx="2381250" cy="2857500"/>
           </a:xfrm>
           <a:prstGeom prst="rect">
             <a:avLst/>
           </a:prstGeom>
-          <a:ln w="190500" cap="sq">
-            <a:solidFill>
-              <a:srgbClr val="FFFFFF"/>
-            </a:solidFill>
-            <a:miter lim="800000"/>
-          </a:ln>
-          <a:effectLst>
-            <a:outerShdw blurRad="54991" dist="17780" dir="5400000" algn="ctr" rotWithShape="0">
-              <a:schemeClr val="bg1">
-                <a:alpha val="40000"/>
-              </a:schemeClr>
-            </a:outerShdw>
-          </a:effectLst>
-          <a:scene3d>
-            <a:camera prst="orthographicFront"/>
-            <a:lightRig rig="twoPt" dir="t">
-              <a:rot lat="0" lon="0" rev="7200000"/>
-            </a:lightRig>
-          </a:scene3d>
-          <a:sp3d>
-            <a:bevelT w="25400" h="19050"/>
-          </a:sp3d>
         </p:spPr>
       </p:pic>
-      <p:sp>
-        <p:nvSpPr>
-          <p:cNvPr id="6" name="Szövegdoboz 5">
+      <p:pic>
+        <p:nvPicPr>
+          <p:cNvPr id="13" name="Kép 12">
             <a:extLst>
               <a:ext uri="{FF2B5EF4-FFF2-40B4-BE49-F238E27FC236}">
-                <a16:creationId xmlns:a16="http://schemas.microsoft.com/office/drawing/2014/main" id="{E70EE685-D8F7-702B-CF2C-6049A816396C}"/>
+                <a16:creationId xmlns:a16="http://schemas.microsoft.com/office/drawing/2014/main" id="{E809BD53-21D5-EA20-ABA4-61F113AB399B}"/>
+              </a:ext>
+            </a:extLst>
+          </p:cNvPr>
+          <p:cNvPicPr>
+            <a:picLocks noChangeAspect="1"/>
+          </p:cNvPicPr>
+          <p:nvPr/>
+        </p:nvPicPr>
+        <p:blipFill>
+          <a:blip r:embed="rId5">
+            <a:extLst>
+              <a:ext uri="{28A0092B-C50C-407E-A947-70E740481C1C}">
+                <a14:useLocalDpi xmlns:a14="http://schemas.microsoft.com/office/drawing/2010/main" val="0"/>
+              </a:ext>
+            </a:extLst>
+          </a:blip>
+          <a:stretch>
+            <a:fillRect/>
+          </a:stretch>
+        </p:blipFill>
+        <p:spPr>
+          <a:xfrm>
+            <a:off x="6703866" y="3679272"/>
+            <a:ext cx="2133600" cy="2133600"/>
+          </a:xfrm>
+          <a:prstGeom prst="rect">
+            <a:avLst/>
+          </a:prstGeom>
+        </p:spPr>
+      </p:pic>
+      <p:sp>
+        <p:nvSpPr>
+          <p:cNvPr id="14" name="Szövegdoboz 13">
+            <a:extLst>
+              <a:ext uri="{FF2B5EF4-FFF2-40B4-BE49-F238E27FC236}">
+                <a16:creationId xmlns:a16="http://schemas.microsoft.com/office/drawing/2014/main" id="{922DE845-9099-3166-D15F-A3B511F26521}"/>
               </a:ext>
             </a:extLst>
           </p:cNvPr>
@@ -7420,8 +7754,8 @@
         </p:nvSpPr>
         <p:spPr>
           <a:xfrm>
-            <a:off x="7577847" y="5791200"/>
-            <a:ext cx="3700358" cy="230832"/>
+            <a:off x="6751907" y="5867981"/>
+            <a:ext cx="2033994" cy="400110"/>
           </a:xfrm>
           <a:prstGeom prst="rect">
             <a:avLst/>
@@ -7435,8 +7769,14 @@
           <a:lstStyle/>
           <a:p>
             <a:r>
-              <a:rPr lang="hu-HU" sz="900" dirty="0"/>
-              <a:t>https://infovilag.hu/szamitogepes_fergek_25_ev_ota_gyerekek_v/</a:t>
+              <a:rPr lang="hu-HU" sz="1000" b="1" dirty="0">
+                <a:hlinkClick r:id="rId6"/>
+              </a:rPr>
+              <a:t>https://tinyurl.com/4dyy3amp</a:t>
+            </a:r>
+            <a:r>
+              <a:rPr lang="hu-HU" sz="1000" b="1" dirty="0"/>
+              <a:t> </a:t>
             </a:r>
           </a:p>
         </p:txBody>
@@ -7444,7 +7784,7 @@
     </p:spTree>
     <p:extLst>
       <p:ext uri="{BB962C8B-B14F-4D97-AF65-F5344CB8AC3E}">
-        <p14:creationId xmlns:p14="http://schemas.microsoft.com/office/powerpoint/2010/main" val="3011742208"/>
+        <p14:creationId xmlns:p14="http://schemas.microsoft.com/office/powerpoint/2010/main" val="3153710145"/>
       </p:ext>
     </p:extLst>
   </p:cSld>
